--- a/Muzix App Presentation.pptx
+++ b/Muzix App Presentation.pptx
@@ -6,9 +6,12 @@
   </p:sldMasterIdLst>
   <p:sldIdLst>
     <p:sldId id="258" r:id="rId2"/>
-    <p:sldId id="257" r:id="rId3"/>
-    <p:sldId id="256" r:id="rId4"/>
-    <p:sldId id="259" r:id="rId5"/>
+    <p:sldId id="261" r:id="rId3"/>
+    <p:sldId id="262" r:id="rId4"/>
+    <p:sldId id="257" r:id="rId5"/>
+    <p:sldId id="256" r:id="rId6"/>
+    <p:sldId id="259" r:id="rId7"/>
+    <p:sldId id="260" r:id="rId8"/>
   </p:sldIdLst>
   <p:sldSz cx="12192000" cy="6858000"/>
   <p:notesSz cx="6858000" cy="9144000"/>
@@ -3941,6 +3944,368 @@
           <a:chExt cx="0" cy="0"/>
         </a:xfrm>
       </p:grpSpPr>
+      <p:sp>
+        <p:nvSpPr>
+          <p:cNvPr id="4" name="Title 3">
+            <a:extLst>
+              <a:ext uri="{FF2B5EF4-FFF2-40B4-BE49-F238E27FC236}">
+                <a16:creationId xmlns:a16="http://schemas.microsoft.com/office/drawing/2014/main" id="{D8CACC0F-901F-4D78-AF3C-1D72D6FD873D}"/>
+              </a:ext>
+            </a:extLst>
+          </p:cNvPr>
+          <p:cNvSpPr>
+            <a:spLocks noGrp="1"/>
+          </p:cNvSpPr>
+          <p:nvPr>
+            <p:ph type="title"/>
+          </p:nvPr>
+        </p:nvSpPr>
+        <p:spPr/>
+        <p:txBody>
+          <a:bodyPr/>
+          <a:lstStyle/>
+          <a:p>
+            <a:r>
+              <a:rPr lang="en-US" b="1" cap="none" dirty="0">
+                <a:ln w="9525">
+                  <a:solidFill>
+                    <a:schemeClr val="bg1"/>
+                  </a:solidFill>
+                  <a:prstDash val="solid"/>
+                </a:ln>
+                <a:solidFill>
+                  <a:schemeClr val="accent5"/>
+                </a:solidFill>
+                <a:effectLst>
+                  <a:outerShdw blurRad="12700" dist="38100" dir="2700000" algn="tl" rotWithShape="0">
+                    <a:schemeClr val="accent5">
+                      <a:lumMod val="60000"/>
+                      <a:lumOff val="40000"/>
+                    </a:schemeClr>
+                  </a:outerShdw>
+                </a:effectLst>
+              </a:rPr>
+              <a:t>Introduction</a:t>
+            </a:r>
+            <a:endParaRPr lang="en-IN" b="1" cap="none" dirty="0">
+              <a:ln w="9525">
+                <a:solidFill>
+                  <a:schemeClr val="bg1"/>
+                </a:solidFill>
+                <a:prstDash val="solid"/>
+              </a:ln>
+              <a:solidFill>
+                <a:schemeClr val="accent5"/>
+              </a:solidFill>
+              <a:effectLst>
+                <a:outerShdw blurRad="12700" dist="38100" dir="2700000" algn="tl" rotWithShape="0">
+                  <a:schemeClr val="accent5">
+                    <a:lumMod val="60000"/>
+                    <a:lumOff val="40000"/>
+                  </a:schemeClr>
+                </a:outerShdw>
+              </a:effectLst>
+            </a:endParaRPr>
+          </a:p>
+        </p:txBody>
+      </p:sp>
+      <p:sp>
+        <p:nvSpPr>
+          <p:cNvPr id="5" name="Content Placeholder 4">
+            <a:extLst>
+              <a:ext uri="{FF2B5EF4-FFF2-40B4-BE49-F238E27FC236}">
+                <a16:creationId xmlns:a16="http://schemas.microsoft.com/office/drawing/2014/main" id="{CE7DCB8E-F0A0-4B01-B19D-9AA1E44319AE}"/>
+              </a:ext>
+            </a:extLst>
+          </p:cNvPr>
+          <p:cNvSpPr>
+            <a:spLocks noGrp="1"/>
+          </p:cNvSpPr>
+          <p:nvPr>
+            <p:ph idx="1"/>
+          </p:nvPr>
+        </p:nvSpPr>
+        <p:spPr>
+          <a:xfrm>
+            <a:off x="1181887" y="2006854"/>
+            <a:ext cx="10142658" cy="3450613"/>
+          </a:xfrm>
+        </p:spPr>
+        <p:txBody>
+          <a:bodyPr/>
+          <a:lstStyle/>
+          <a:p>
+            <a:r>
+              <a:rPr lang="en-US" sz="2400" dirty="0">
+                <a:latin typeface="Times New Roman" panose="02020603050405020304" pitchFamily="18" charset="0"/>
+                <a:cs typeface="Times New Roman" panose="02020603050405020304" pitchFamily="18" charset="0"/>
+              </a:rPr>
+              <a:t>Our Muzix application is nothing but a movie application.</a:t>
+            </a:r>
+          </a:p>
+          <a:p>
+            <a:r>
+              <a:rPr lang="en-US" sz="2400" dirty="0">
+                <a:latin typeface="Times New Roman" panose="02020603050405020304" pitchFamily="18" charset="0"/>
+                <a:cs typeface="Times New Roman" panose="02020603050405020304" pitchFamily="18" charset="0"/>
+              </a:rPr>
+              <a:t>This app is designed to see all the movies of various languages &amp; genres.</a:t>
+            </a:r>
+          </a:p>
+          <a:p>
+            <a:r>
+              <a:rPr lang="en-US" sz="2400" dirty="0">
+                <a:latin typeface="Times New Roman" panose="02020603050405020304" pitchFamily="18" charset="0"/>
+                <a:cs typeface="Times New Roman" panose="02020603050405020304" pitchFamily="18" charset="0"/>
+              </a:rPr>
+              <a:t>This app uses a 3</a:t>
+            </a:r>
+            <a:r>
+              <a:rPr lang="en-US" sz="2400" baseline="30000" dirty="0">
+                <a:latin typeface="Times New Roman" panose="02020603050405020304" pitchFamily="18" charset="0"/>
+                <a:cs typeface="Times New Roman" panose="02020603050405020304" pitchFamily="18" charset="0"/>
+              </a:rPr>
+              <a:t>rd</a:t>
+            </a:r>
+            <a:r>
+              <a:rPr lang="en-US" sz="2400" dirty="0">
+                <a:latin typeface="Times New Roman" panose="02020603050405020304" pitchFamily="18" charset="0"/>
+                <a:cs typeface="Times New Roman" panose="02020603050405020304" pitchFamily="18" charset="0"/>
+              </a:rPr>
+              <a:t> party API to fetch the movies.</a:t>
+            </a:r>
+          </a:p>
+          <a:p>
+            <a:r>
+              <a:rPr lang="en-IN" sz="2400" dirty="0">
+                <a:latin typeface="Times New Roman" panose="02020603050405020304" pitchFamily="18" charset="0"/>
+                <a:cs typeface="Times New Roman" panose="02020603050405020304" pitchFamily="18" charset="0"/>
+              </a:rPr>
+              <a:t>This app is compatible with all devices like Desktop, Tablet, Mobile, etc…</a:t>
+            </a:r>
+          </a:p>
+          <a:p>
+            <a:r>
+              <a:rPr lang="en-IN" sz="2400" dirty="0">
+                <a:latin typeface="Times New Roman" panose="02020603050405020304" pitchFamily="18" charset="0"/>
+                <a:cs typeface="Times New Roman" panose="02020603050405020304" pitchFamily="18" charset="0"/>
+              </a:rPr>
+              <a:t>In our app all movies are present including the latest movies .</a:t>
+            </a:r>
+          </a:p>
+          <a:p>
+            <a:pPr marL="0" indent="0">
+              <a:buNone/>
+            </a:pPr>
+            <a:endParaRPr lang="en-IN" sz="2400" dirty="0">
+              <a:latin typeface="Times New Roman" panose="02020603050405020304" pitchFamily="18" charset="0"/>
+              <a:cs typeface="Times New Roman" panose="02020603050405020304" pitchFamily="18" charset="0"/>
+            </a:endParaRPr>
+          </a:p>
+          <a:p>
+            <a:endParaRPr lang="en-IN" sz="2400" dirty="0">
+              <a:latin typeface="Times New Roman" panose="02020603050405020304" pitchFamily="18" charset="0"/>
+              <a:cs typeface="Times New Roman" panose="02020603050405020304" pitchFamily="18" charset="0"/>
+            </a:endParaRPr>
+          </a:p>
+          <a:p>
+            <a:endParaRPr lang="en-IN" sz="2400" dirty="0">
+              <a:latin typeface="Times New Roman" panose="02020603050405020304" pitchFamily="18" charset="0"/>
+              <a:cs typeface="Times New Roman" panose="02020603050405020304" pitchFamily="18" charset="0"/>
+            </a:endParaRPr>
+          </a:p>
+          <a:p>
+            <a:endParaRPr lang="en-IN" dirty="0"/>
+          </a:p>
+          <a:p>
+            <a:endParaRPr lang="en-IN" dirty="0"/>
+          </a:p>
+        </p:txBody>
+      </p:sp>
+    </p:spTree>
+    <p:extLst>
+      <p:ext uri="{BB962C8B-B14F-4D97-AF65-F5344CB8AC3E}">
+        <p14:creationId xmlns:p14="http://schemas.microsoft.com/office/powerpoint/2010/main" val="629563462"/>
+      </p:ext>
+    </p:extLst>
+  </p:cSld>
+  <p:clrMapOvr>
+    <a:masterClrMapping/>
+  </p:clrMapOvr>
+</p:sld>
+</file>
+
+<file path=ppt/slides/slide3.xml><?xml version="1.0" encoding="utf-8"?>
+<p:sld xmlns:a="http://schemas.openxmlformats.org/drawingml/2006/main" xmlns:r="http://schemas.openxmlformats.org/officeDocument/2006/relationships" xmlns:p="http://schemas.openxmlformats.org/presentationml/2006/main">
+  <p:cSld>
+    <p:spTree>
+      <p:nvGrpSpPr>
+        <p:cNvPr id="1" name=""/>
+        <p:cNvGrpSpPr/>
+        <p:nvPr/>
+      </p:nvGrpSpPr>
+      <p:grpSpPr>
+        <a:xfrm>
+          <a:off x="0" y="0"/>
+          <a:ext cx="0" cy="0"/>
+          <a:chOff x="0" y="0"/>
+          <a:chExt cx="0" cy="0"/>
+        </a:xfrm>
+      </p:grpSpPr>
+      <p:sp>
+        <p:nvSpPr>
+          <p:cNvPr id="2" name="Title 1">
+            <a:extLst>
+              <a:ext uri="{FF2B5EF4-FFF2-40B4-BE49-F238E27FC236}">
+                <a16:creationId xmlns:a16="http://schemas.microsoft.com/office/drawing/2014/main" id="{14459B91-ADF6-783B-6BE2-B16F2B723438}"/>
+              </a:ext>
+            </a:extLst>
+          </p:cNvPr>
+          <p:cNvSpPr>
+            <a:spLocks noGrp="1"/>
+          </p:cNvSpPr>
+          <p:nvPr>
+            <p:ph type="title"/>
+          </p:nvPr>
+        </p:nvSpPr>
+        <p:spPr/>
+        <p:txBody>
+          <a:bodyPr/>
+          <a:lstStyle/>
+          <a:p>
+            <a:r>
+              <a:rPr lang="en-US" cap="none" dirty="0">
+                <a:ln w="0"/>
+                <a:gradFill>
+                  <a:gsLst>
+                    <a:gs pos="0">
+                      <a:schemeClr val="accent5">
+                        <a:lumMod val="50000"/>
+                      </a:schemeClr>
+                    </a:gs>
+                    <a:gs pos="50000">
+                      <a:schemeClr val="accent5"/>
+                    </a:gs>
+                    <a:gs pos="100000">
+                      <a:schemeClr val="accent5">
+                        <a:lumMod val="60000"/>
+                        <a:lumOff val="40000"/>
+                      </a:schemeClr>
+                    </a:gs>
+                  </a:gsLst>
+                  <a:lin ang="5400000"/>
+                </a:gradFill>
+                <a:effectLst>
+                  <a:reflection blurRad="6350" stA="53000" endA="300" endPos="35500" dir="5400000" sy="-90000" algn="bl" rotWithShape="0"/>
+                </a:effectLst>
+                <a:latin typeface="Times New Roman" panose="02020603050405020304" pitchFamily="18" charset="0"/>
+                <a:cs typeface="Times New Roman" panose="02020603050405020304" pitchFamily="18" charset="0"/>
+              </a:rPr>
+              <a:t>Features of the App</a:t>
+            </a:r>
+            <a:endParaRPr lang="en-IN" dirty="0"/>
+          </a:p>
+        </p:txBody>
+      </p:sp>
+      <p:sp>
+        <p:nvSpPr>
+          <p:cNvPr id="3" name="Content Placeholder 2">
+            <a:extLst>
+              <a:ext uri="{FF2B5EF4-FFF2-40B4-BE49-F238E27FC236}">
+                <a16:creationId xmlns:a16="http://schemas.microsoft.com/office/drawing/2014/main" id="{C7ACB1DF-C6F4-4A6D-A722-5B1920D79C47}"/>
+              </a:ext>
+            </a:extLst>
+          </p:cNvPr>
+          <p:cNvSpPr>
+            <a:spLocks noGrp="1"/>
+          </p:cNvSpPr>
+          <p:nvPr>
+            <p:ph idx="1"/>
+          </p:nvPr>
+        </p:nvSpPr>
+        <p:spPr/>
+        <p:txBody>
+          <a:bodyPr>
+            <a:normAutofit/>
+          </a:bodyPr>
+          <a:lstStyle/>
+          <a:p>
+            <a:r>
+              <a:rPr lang="en-IN" sz="2400" dirty="0">
+                <a:latin typeface="Times New Roman" panose="02020603050405020304" pitchFamily="18" charset="0"/>
+                <a:cs typeface="Times New Roman" panose="02020603050405020304" pitchFamily="18" charset="0"/>
+              </a:rPr>
+              <a:t>See the movie info.</a:t>
+            </a:r>
+          </a:p>
+          <a:p>
+            <a:r>
+              <a:rPr lang="en-IN" sz="2400" dirty="0">
+                <a:latin typeface="Times New Roman" panose="02020603050405020304" pitchFamily="18" charset="0"/>
+                <a:cs typeface="Times New Roman" panose="02020603050405020304" pitchFamily="18" charset="0"/>
+              </a:rPr>
+              <a:t>Search Any Movie.</a:t>
+            </a:r>
+          </a:p>
+          <a:p>
+            <a:r>
+              <a:rPr lang="en-IN" sz="2400" dirty="0">
+                <a:latin typeface="Times New Roman" panose="02020603050405020304" pitchFamily="18" charset="0"/>
+                <a:cs typeface="Times New Roman" panose="02020603050405020304" pitchFamily="18" charset="0"/>
+              </a:rPr>
+              <a:t>Add to Favourites.</a:t>
+            </a:r>
+          </a:p>
+          <a:p>
+            <a:r>
+              <a:rPr lang="en-IN" sz="2400" dirty="0">
+                <a:latin typeface="Times New Roman" panose="02020603050405020304" pitchFamily="18" charset="0"/>
+                <a:cs typeface="Times New Roman" panose="02020603050405020304" pitchFamily="18" charset="0"/>
+              </a:rPr>
+              <a:t>Delete from Favourites.</a:t>
+            </a:r>
+          </a:p>
+          <a:p>
+            <a:r>
+              <a:rPr lang="en-IN" sz="2400" dirty="0">
+                <a:latin typeface="Times New Roman" panose="02020603050405020304" pitchFamily="18" charset="0"/>
+                <a:cs typeface="Times New Roman" panose="02020603050405020304" pitchFamily="18" charset="0"/>
+              </a:rPr>
+              <a:t>Recommended movies related to particular movie. </a:t>
+            </a:r>
+          </a:p>
+        </p:txBody>
+      </p:sp>
+    </p:spTree>
+    <p:extLst>
+      <p:ext uri="{BB962C8B-B14F-4D97-AF65-F5344CB8AC3E}">
+        <p14:creationId xmlns:p14="http://schemas.microsoft.com/office/powerpoint/2010/main" val="1684440525"/>
+      </p:ext>
+    </p:extLst>
+  </p:cSld>
+  <p:clrMapOvr>
+    <a:masterClrMapping/>
+  </p:clrMapOvr>
+</p:sld>
+</file>
+
+<file path=ppt/slides/slide4.xml><?xml version="1.0" encoding="utf-8"?>
+<p:sld xmlns:a="http://schemas.openxmlformats.org/drawingml/2006/main" xmlns:r="http://schemas.openxmlformats.org/officeDocument/2006/relationships" xmlns:p="http://schemas.openxmlformats.org/presentationml/2006/main">
+  <p:cSld>
+    <p:spTree>
+      <p:nvGrpSpPr>
+        <p:cNvPr id="1" name=""/>
+        <p:cNvGrpSpPr/>
+        <p:nvPr/>
+      </p:nvGrpSpPr>
+      <p:grpSpPr>
+        <a:xfrm>
+          <a:off x="0" y="0"/>
+          <a:ext cx="0" cy="0"/>
+          <a:chOff x="0" y="0"/>
+          <a:chExt cx="0" cy="0"/>
+        </a:xfrm>
+      </p:grpSpPr>
       <p:pic>
         <p:nvPicPr>
           <p:cNvPr id="6" name="Content Placeholder 5">
@@ -3989,7 +4354,7 @@
 </p:sld>
 </file>
 
-<file path=ppt/slides/slide3.xml><?xml version="1.0" encoding="utf-8"?>
+<file path=ppt/slides/slide5.xml><?xml version="1.0" encoding="utf-8"?>
 <p:sld xmlns:a="http://schemas.openxmlformats.org/drawingml/2006/main" xmlns:r="http://schemas.openxmlformats.org/officeDocument/2006/relationships" xmlns:p="http://schemas.openxmlformats.org/presentationml/2006/main">
   <p:cSld>
     <p:spTree>
@@ -4055,7 +4420,7 @@
 </p:sld>
 </file>
 
-<file path=ppt/slides/slide4.xml><?xml version="1.0" encoding="utf-8"?>
+<file path=ppt/slides/slide6.xml><?xml version="1.0" encoding="utf-8"?>
 <p:sld xmlns:a="http://schemas.openxmlformats.org/drawingml/2006/main" xmlns:r="http://schemas.openxmlformats.org/officeDocument/2006/relationships" xmlns:p="http://schemas.openxmlformats.org/presentationml/2006/main">
   <p:cSld>
     <p:spTree>
@@ -4548,7 +4913,7 @@
                 <a:latin typeface="Times New Roman" panose="02020603050405020304" pitchFamily="18" charset="0"/>
                 <a:cs typeface="Times New Roman" panose="02020603050405020304" pitchFamily="18" charset="0"/>
               </a:rPr>
-              <a:t>MongoDb</a:t>
+              <a:t>MongoDB</a:t>
             </a:r>
           </a:p>
           <a:p>
@@ -4579,6 +4944,90 @@
     <p:extLst>
       <p:ext uri="{BB962C8B-B14F-4D97-AF65-F5344CB8AC3E}">
         <p14:creationId xmlns:p14="http://schemas.microsoft.com/office/powerpoint/2010/main" val="756427135"/>
+      </p:ext>
+    </p:extLst>
+  </p:cSld>
+  <p:clrMapOvr>
+    <a:masterClrMapping/>
+  </p:clrMapOvr>
+</p:sld>
+</file>
+
+<file path=ppt/slides/slide7.xml><?xml version="1.0" encoding="utf-8"?>
+<p:sld xmlns:a="http://schemas.openxmlformats.org/drawingml/2006/main" xmlns:r="http://schemas.openxmlformats.org/officeDocument/2006/relationships" xmlns:p="http://schemas.openxmlformats.org/presentationml/2006/main">
+  <p:cSld>
+    <p:spTree>
+      <p:nvGrpSpPr>
+        <p:cNvPr id="1" name=""/>
+        <p:cNvGrpSpPr/>
+        <p:nvPr/>
+      </p:nvGrpSpPr>
+      <p:grpSpPr>
+        <a:xfrm>
+          <a:off x="0" y="0"/>
+          <a:ext cx="0" cy="0"/>
+          <a:chOff x="0" y="0"/>
+          <a:chExt cx="0" cy="0"/>
+        </a:xfrm>
+      </p:grpSpPr>
+      <p:sp>
+        <p:nvSpPr>
+          <p:cNvPr id="5" name="Rectangle 4">
+            <a:extLst>
+              <a:ext uri="{FF2B5EF4-FFF2-40B4-BE49-F238E27FC236}">
+                <a16:creationId xmlns:a16="http://schemas.microsoft.com/office/drawing/2014/main" id="{8B5E87C5-4D34-498E-B021-2C1B2DBF5595}"/>
+              </a:ext>
+            </a:extLst>
+          </p:cNvPr>
+          <p:cNvSpPr/>
+          <p:nvPr/>
+        </p:nvSpPr>
+        <p:spPr>
+          <a:xfrm rot="19489692">
+            <a:off x="3675318" y="2828835"/>
+            <a:ext cx="4841364" cy="1200329"/>
+          </a:xfrm>
+          <a:prstGeom prst="rect">
+            <a:avLst/>
+          </a:prstGeom>
+          <a:noFill/>
+        </p:spPr>
+        <p:txBody>
+          <a:bodyPr wrap="square" lIns="91440" tIns="45720" rIns="91440" bIns="45720">
+            <a:spAutoFit/>
+            <a:scene3d>
+              <a:camera prst="orthographicFront"/>
+              <a:lightRig rig="harsh" dir="t"/>
+            </a:scene3d>
+            <a:sp3d extrusionH="57150" prstMaterial="matte">
+              <a:bevelT w="63500" h="12700" prst="angle"/>
+              <a:contourClr>
+                <a:schemeClr val="bg1">
+                  <a:lumMod val="65000"/>
+                </a:schemeClr>
+              </a:contourClr>
+            </a:sp3d>
+          </a:bodyPr>
+          <a:lstStyle/>
+          <a:p>
+            <a:pPr algn="ctr"/>
+            <a:r>
+              <a:rPr lang="en-US" sz="7200" b="1" cap="none" spc="0" dirty="0">
+                <a:ln/>
+                <a:solidFill>
+                  <a:schemeClr val="accent3"/>
+                </a:solidFill>
+                <a:effectLst/>
+              </a:rPr>
+              <a:t>Thank You</a:t>
+            </a:r>
+          </a:p>
+        </p:txBody>
+      </p:sp>
+    </p:spTree>
+    <p:extLst>
+      <p:ext uri="{BB962C8B-B14F-4D97-AF65-F5344CB8AC3E}">
+        <p14:creationId xmlns:p14="http://schemas.microsoft.com/office/powerpoint/2010/main" val="56129990"/>
       </p:ext>
     </p:extLst>
   </p:cSld>

--- a/Muzix App Presentation.pptx
+++ b/Muzix App Presentation.pptx
@@ -8,10 +8,19 @@
     <p:sldId id="258" r:id="rId2"/>
     <p:sldId id="261" r:id="rId3"/>
     <p:sldId id="262" r:id="rId4"/>
-    <p:sldId id="257" r:id="rId5"/>
-    <p:sldId id="256" r:id="rId6"/>
-    <p:sldId id="259" r:id="rId7"/>
-    <p:sldId id="260" r:id="rId8"/>
+    <p:sldId id="259" r:id="rId5"/>
+    <p:sldId id="263" r:id="rId6"/>
+    <p:sldId id="264" r:id="rId7"/>
+    <p:sldId id="265" r:id="rId8"/>
+    <p:sldId id="266" r:id="rId9"/>
+    <p:sldId id="267" r:id="rId10"/>
+    <p:sldId id="268" r:id="rId11"/>
+    <p:sldId id="269" r:id="rId12"/>
+    <p:sldId id="270" r:id="rId13"/>
+    <p:sldId id="271" r:id="rId14"/>
+    <p:sldId id="257" r:id="rId15"/>
+    <p:sldId id="256" r:id="rId16"/>
+    <p:sldId id="260" r:id="rId17"/>
   </p:sldIdLst>
   <p:sldSz cx="12192000" cy="6858000"/>
   <p:notesSz cx="6858000" cy="9144000"/>
@@ -257,7 +266,7 @@
           <a:p>
             <a:fld id="{37CECC12-F97C-41A1-93F7-F2A6E352947F}" type="datetimeFigureOut">
               <a:rPr lang="en-IN" smtClean="0"/>
-              <a:t>13-05-2022</a:t>
+              <a:t>16-05-2022</a:t>
             </a:fld>
             <a:endParaRPr lang="en-IN"/>
           </a:p>
@@ -468,7 +477,7 @@
           <a:p>
             <a:fld id="{37CECC12-F97C-41A1-93F7-F2A6E352947F}" type="datetimeFigureOut">
               <a:rPr lang="en-IN" smtClean="0"/>
-              <a:t>13-05-2022</a:t>
+              <a:t>16-05-2022</a:t>
             </a:fld>
             <a:endParaRPr lang="en-IN"/>
           </a:p>
@@ -683,7 +692,7 @@
           <a:p>
             <a:fld id="{37CECC12-F97C-41A1-93F7-F2A6E352947F}" type="datetimeFigureOut">
               <a:rPr lang="en-IN" smtClean="0"/>
-              <a:t>13-05-2022</a:t>
+              <a:t>16-05-2022</a:t>
             </a:fld>
             <a:endParaRPr lang="en-IN"/>
           </a:p>
@@ -884,7 +893,7 @@
           <a:p>
             <a:fld id="{37CECC12-F97C-41A1-93F7-F2A6E352947F}" type="datetimeFigureOut">
               <a:rPr lang="en-IN" smtClean="0"/>
-              <a:t>13-05-2022</a:t>
+              <a:t>16-05-2022</a:t>
             </a:fld>
             <a:endParaRPr lang="en-IN"/>
           </a:p>
@@ -1163,7 +1172,7 @@
           <a:p>
             <a:fld id="{37CECC12-F97C-41A1-93F7-F2A6E352947F}" type="datetimeFigureOut">
               <a:rPr lang="en-IN" smtClean="0"/>
-              <a:t>13-05-2022</a:t>
+              <a:t>16-05-2022</a:t>
             </a:fld>
             <a:endParaRPr lang="en-IN"/>
           </a:p>
@@ -1431,7 +1440,7 @@
           <a:p>
             <a:fld id="{37CECC12-F97C-41A1-93F7-F2A6E352947F}" type="datetimeFigureOut">
               <a:rPr lang="en-IN" smtClean="0"/>
-              <a:t>13-05-2022</a:t>
+              <a:t>16-05-2022</a:t>
             </a:fld>
             <a:endParaRPr lang="en-IN"/>
           </a:p>
@@ -1847,7 +1856,7 @@
           <a:p>
             <a:fld id="{37CECC12-F97C-41A1-93F7-F2A6E352947F}" type="datetimeFigureOut">
               <a:rPr lang="en-IN" smtClean="0"/>
-              <a:t>13-05-2022</a:t>
+              <a:t>16-05-2022</a:t>
             </a:fld>
             <a:endParaRPr lang="en-IN"/>
           </a:p>
@@ -1996,7 +2005,7 @@
           <a:p>
             <a:fld id="{37CECC12-F97C-41A1-93F7-F2A6E352947F}" type="datetimeFigureOut">
               <a:rPr lang="en-IN" smtClean="0"/>
-              <a:t>13-05-2022</a:t>
+              <a:t>16-05-2022</a:t>
             </a:fld>
             <a:endParaRPr lang="en-IN"/>
           </a:p>
@@ -2122,7 +2131,7 @@
           <a:p>
             <a:fld id="{37CECC12-F97C-41A1-93F7-F2A6E352947F}" type="datetimeFigureOut">
               <a:rPr lang="en-IN" smtClean="0"/>
-              <a:t>13-05-2022</a:t>
+              <a:t>16-05-2022</a:t>
             </a:fld>
             <a:endParaRPr lang="en-IN"/>
           </a:p>
@@ -2373,7 +2382,7 @@
           <a:p>
             <a:fld id="{37CECC12-F97C-41A1-93F7-F2A6E352947F}" type="datetimeFigureOut">
               <a:rPr lang="en-IN" smtClean="0"/>
-              <a:t>13-05-2022</a:t>
+              <a:t>16-05-2022</a:t>
             </a:fld>
             <a:endParaRPr lang="en-IN"/>
           </a:p>
@@ -2818,7 +2827,7 @@
           <a:p>
             <a:fld id="{37CECC12-F97C-41A1-93F7-F2A6E352947F}" type="datetimeFigureOut">
               <a:rPr lang="en-IN" smtClean="0"/>
-              <a:t>13-05-2022</a:t>
+              <a:t>16-05-2022</a:t>
             </a:fld>
             <a:endParaRPr lang="en-IN"/>
           </a:p>
@@ -3145,7 +3154,7 @@
           <a:p>
             <a:fld id="{37CECC12-F97C-41A1-93F7-F2A6E352947F}" type="datetimeFigureOut">
               <a:rPr lang="en-IN" smtClean="0"/>
-              <a:t>13-05-2022</a:t>
+              <a:t>16-05-2022</a:t>
             </a:fld>
             <a:endParaRPr lang="en-IN"/>
           </a:p>
@@ -3769,8 +3778,8 @@
         </p:nvSpPr>
         <p:spPr>
           <a:xfrm>
-            <a:off x="586408" y="4548464"/>
-            <a:ext cx="2724963" cy="1200329"/>
+            <a:off x="7741328" y="4548464"/>
+            <a:ext cx="3864263" cy="1631216"/>
           </a:xfrm>
           <a:prstGeom prst="rect">
             <a:avLst/>
@@ -3793,24 +3802,28 @@
           <a:lstStyle/>
           <a:p>
             <a:r>
-              <a:rPr lang="en-US" b="1" dirty="0">
+              <a:rPr lang="en-US" sz="2800" b="1" dirty="0">
                 <a:ln/>
+                <a:latin typeface="Times New Roman" panose="02020603050405020304" pitchFamily="18" charset="0"/>
+                <a:cs typeface="Times New Roman" panose="02020603050405020304" pitchFamily="18" charset="0"/>
               </a:rPr>
               <a:t>Presented By</a:t>
             </a:r>
             <a:r>
-              <a:rPr lang="en-US" b="1" dirty="0">
+              <a:rPr lang="en-US" sz="2800" b="1" dirty="0">
                 <a:ln/>
                 <a:solidFill>
                   <a:schemeClr val="accent4"/>
                 </a:solidFill>
+                <a:latin typeface="Times New Roman" panose="02020603050405020304" pitchFamily="18" charset="0"/>
+                <a:cs typeface="Times New Roman" panose="02020603050405020304" pitchFamily="18" charset="0"/>
               </a:rPr>
               <a:t>: </a:t>
             </a:r>
           </a:p>
           <a:p>
             <a:r>
-              <a:rPr lang="en-IN" sz="1800" i="0" dirty="0">
+              <a:rPr lang="en-IN" sz="2400" i="0" dirty="0">
                 <a:ln w="0">
                   <a:solidFill>
                     <a:srgbClr val="C00000"/>
@@ -3827,14 +3840,15 @@
                   </a:gsLst>
                   <a:lin ang="5400000"/>
                 </a:gradFill>
-                <a:latin typeface="Calibri" panose="020F0502020204030204" pitchFamily="34" charset="0"/>
+                <a:latin typeface="Times New Roman" panose="02020603050405020304" pitchFamily="18" charset="0"/>
+                <a:cs typeface="Times New Roman" panose="02020603050405020304" pitchFamily="18" charset="0"/>
               </a:rPr>
               <a:t>NIKHIL SHRIVASTAVA,</a:t>
             </a:r>
           </a:p>
           <a:p>
             <a:r>
-              <a:rPr lang="en-IN" sz="1800" i="0" dirty="0">
+              <a:rPr lang="en-IN" sz="2400" i="0" dirty="0">
                 <a:ln w="0">
                   <a:solidFill>
                     <a:srgbClr val="C00000"/>
@@ -3851,12 +3865,15 @@
                   </a:gsLst>
                   <a:lin ang="5400000"/>
                 </a:gradFill>
-                <a:latin typeface="Calibri" panose="020F0502020204030204" pitchFamily="34" charset="0"/>
-              </a:rPr>
-              <a:t>MOHAMMAD KAMRAN,</a:t>
-            </a:r>
-            <a:r>
-              <a:rPr lang="en-IN" sz="1800" i="0" dirty="0">
+                <a:latin typeface="Times New Roman" panose="02020603050405020304" pitchFamily="18" charset="0"/>
+                <a:cs typeface="Times New Roman" panose="02020603050405020304" pitchFamily="18" charset="0"/>
+              </a:rPr>
+              <a:t>MOHAMMAD KAMRAN, </a:t>
+            </a:r>
+          </a:p>
+          <a:p>
+            <a:r>
+              <a:rPr lang="en-IN" sz="2400" i="0" dirty="0">
                 <a:ln w="0">
                   <a:solidFill>
                     <a:srgbClr val="C00000"/>
@@ -3873,35 +3890,12 @@
                   </a:gsLst>
                   <a:lin ang="5400000"/>
                 </a:gradFill>
-                <a:latin typeface="Arial" panose="020B0604020202020204" pitchFamily="34" charset="0"/>
-              </a:rPr>
-              <a:t> </a:t>
-            </a:r>
-          </a:p>
-          <a:p>
-            <a:r>
-              <a:rPr lang="en-IN" sz="1800" i="0" dirty="0">
-                <a:ln w="0">
-                  <a:solidFill>
-                    <a:srgbClr val="C00000"/>
-                  </a:solidFill>
-                </a:ln>
-                <a:gradFill>
-                  <a:gsLst>
-                    <a:gs pos="21000">
-                      <a:srgbClr val="53575C"/>
-                    </a:gs>
-                    <a:gs pos="88000">
-                      <a:srgbClr val="C5C7CA"/>
-                    </a:gs>
-                  </a:gsLst>
-                  <a:lin ang="5400000"/>
-                </a:gradFill>
-                <a:latin typeface="Arial" panose="020B0604020202020204" pitchFamily="34" charset="0"/>
+                <a:latin typeface="Times New Roman" panose="02020603050405020304" pitchFamily="18" charset="0"/>
+                <a:cs typeface="Times New Roman" panose="02020603050405020304" pitchFamily="18" charset="0"/>
               </a:rPr>
               <a:t>RAGHUNATH M</a:t>
             </a:r>
-            <a:endParaRPr lang="en-IN" b="1" dirty="0">
+            <a:endParaRPr lang="en-IN" sz="2400" b="1" dirty="0">
               <a:ln w="0">
                 <a:solidFill>
                   <a:srgbClr val="C00000"/>
@@ -3910,6 +3904,8 @@
               <a:solidFill>
                 <a:schemeClr val="accent4"/>
               </a:solidFill>
+              <a:latin typeface="Times New Roman" panose="02020603050405020304" pitchFamily="18" charset="0"/>
+              <a:cs typeface="Times New Roman" panose="02020603050405020304" pitchFamily="18" charset="0"/>
             </a:endParaRPr>
           </a:p>
         </p:txBody>
@@ -3927,7 +3923,7 @@
 </p:sld>
 </file>
 
-<file path=ppt/slides/slide2.xml><?xml version="1.0" encoding="utf-8"?>
+<file path=ppt/slides/slide10.xml><?xml version="1.0" encoding="utf-8"?>
 <p:sld xmlns:a="http://schemas.openxmlformats.org/drawingml/2006/main" xmlns:r="http://schemas.openxmlformats.org/officeDocument/2006/relationships" xmlns:p="http://schemas.openxmlformats.org/presentationml/2006/main">
   <p:cSld>
     <p:spTree>
@@ -3946,10 +3942,10 @@
       </p:grpSpPr>
       <p:sp>
         <p:nvSpPr>
-          <p:cNvPr id="4" name="Title 3">
+          <p:cNvPr id="2" name="Title 1">
             <a:extLst>
               <a:ext uri="{FF2B5EF4-FFF2-40B4-BE49-F238E27FC236}">
-                <a16:creationId xmlns:a16="http://schemas.microsoft.com/office/drawing/2014/main" id="{D8CACC0F-901F-4D78-AF3C-1D72D6FD873D}"/>
+                <a16:creationId xmlns:a16="http://schemas.microsoft.com/office/drawing/2014/main" id="{9E419564-DCBC-46EC-9FD1-AC6C4EE10455}"/>
               </a:ext>
             </a:extLst>
           </p:cNvPr>
@@ -3962,219 +3958,13 @@
         </p:nvSpPr>
         <p:spPr/>
         <p:txBody>
-          <a:bodyPr/>
-          <a:lstStyle/>
-          <a:p>
-            <a:r>
-              <a:rPr lang="en-US" b="1" cap="none" dirty="0">
-                <a:ln w="9525">
-                  <a:solidFill>
-                    <a:schemeClr val="bg1"/>
-                  </a:solidFill>
-                  <a:prstDash val="solid"/>
-                </a:ln>
-                <a:solidFill>
-                  <a:schemeClr val="accent5"/>
-                </a:solidFill>
-                <a:effectLst>
-                  <a:outerShdw blurRad="12700" dist="38100" dir="2700000" algn="tl" rotWithShape="0">
-                    <a:schemeClr val="accent5">
-                      <a:lumMod val="60000"/>
-                      <a:lumOff val="40000"/>
-                    </a:schemeClr>
-                  </a:outerShdw>
-                </a:effectLst>
-              </a:rPr>
-              <a:t>Introduction</a:t>
-            </a:r>
-            <a:endParaRPr lang="en-IN" b="1" cap="none" dirty="0">
-              <a:ln w="9525">
-                <a:solidFill>
-                  <a:schemeClr val="bg1"/>
-                </a:solidFill>
-                <a:prstDash val="solid"/>
-              </a:ln>
-              <a:solidFill>
-                <a:schemeClr val="accent5"/>
-              </a:solidFill>
-              <a:effectLst>
-                <a:outerShdw blurRad="12700" dist="38100" dir="2700000" algn="tl" rotWithShape="0">
-                  <a:schemeClr val="accent5">
-                    <a:lumMod val="60000"/>
-                    <a:lumOff val="40000"/>
-                  </a:schemeClr>
-                </a:outerShdw>
-              </a:effectLst>
-            </a:endParaRPr>
-          </a:p>
-        </p:txBody>
-      </p:sp>
-      <p:sp>
-        <p:nvSpPr>
-          <p:cNvPr id="5" name="Content Placeholder 4">
-            <a:extLst>
-              <a:ext uri="{FF2B5EF4-FFF2-40B4-BE49-F238E27FC236}">
-                <a16:creationId xmlns:a16="http://schemas.microsoft.com/office/drawing/2014/main" id="{CE7DCB8E-F0A0-4B01-B19D-9AA1E44319AE}"/>
-              </a:ext>
-            </a:extLst>
-          </p:cNvPr>
-          <p:cNvSpPr>
-            <a:spLocks noGrp="1"/>
-          </p:cNvSpPr>
-          <p:nvPr>
-            <p:ph idx="1"/>
-          </p:nvPr>
-        </p:nvSpPr>
-        <p:spPr>
-          <a:xfrm>
-            <a:off x="1181887" y="2006854"/>
-            <a:ext cx="10142658" cy="3450613"/>
-          </a:xfrm>
-        </p:spPr>
-        <p:txBody>
-          <a:bodyPr/>
-          <a:lstStyle/>
-          <a:p>
-            <a:r>
-              <a:rPr lang="en-US" sz="2400" dirty="0">
-                <a:latin typeface="Times New Roman" panose="02020603050405020304" pitchFamily="18" charset="0"/>
-                <a:cs typeface="Times New Roman" panose="02020603050405020304" pitchFamily="18" charset="0"/>
-              </a:rPr>
-              <a:t>Our Muzix application is nothing but a movie application.</a:t>
-            </a:r>
-          </a:p>
-          <a:p>
-            <a:r>
-              <a:rPr lang="en-US" sz="2400" dirty="0">
-                <a:latin typeface="Times New Roman" panose="02020603050405020304" pitchFamily="18" charset="0"/>
-                <a:cs typeface="Times New Roman" panose="02020603050405020304" pitchFamily="18" charset="0"/>
-              </a:rPr>
-              <a:t>This app is designed to see all the movies of various languages &amp; genres.</a:t>
-            </a:r>
-          </a:p>
-          <a:p>
-            <a:r>
-              <a:rPr lang="en-US" sz="2400" dirty="0">
-                <a:latin typeface="Times New Roman" panose="02020603050405020304" pitchFamily="18" charset="0"/>
-                <a:cs typeface="Times New Roman" panose="02020603050405020304" pitchFamily="18" charset="0"/>
-              </a:rPr>
-              <a:t>This app uses a 3</a:t>
-            </a:r>
-            <a:r>
-              <a:rPr lang="en-US" sz="2400" baseline="30000" dirty="0">
-                <a:latin typeface="Times New Roman" panose="02020603050405020304" pitchFamily="18" charset="0"/>
-                <a:cs typeface="Times New Roman" panose="02020603050405020304" pitchFamily="18" charset="0"/>
-              </a:rPr>
-              <a:t>rd</a:t>
-            </a:r>
-            <a:r>
-              <a:rPr lang="en-US" sz="2400" dirty="0">
-                <a:latin typeface="Times New Roman" panose="02020603050405020304" pitchFamily="18" charset="0"/>
-                <a:cs typeface="Times New Roman" panose="02020603050405020304" pitchFamily="18" charset="0"/>
-              </a:rPr>
-              <a:t> party API to fetch the movies.</a:t>
-            </a:r>
-          </a:p>
-          <a:p>
-            <a:r>
-              <a:rPr lang="en-IN" sz="2400" dirty="0">
-                <a:latin typeface="Times New Roman" panose="02020603050405020304" pitchFamily="18" charset="0"/>
-                <a:cs typeface="Times New Roman" panose="02020603050405020304" pitchFamily="18" charset="0"/>
-              </a:rPr>
-              <a:t>This app is compatible with all devices like Desktop, Tablet, Mobile, etc…</a:t>
-            </a:r>
-          </a:p>
-          <a:p>
-            <a:r>
-              <a:rPr lang="en-IN" sz="2400" dirty="0">
-                <a:latin typeface="Times New Roman" panose="02020603050405020304" pitchFamily="18" charset="0"/>
-                <a:cs typeface="Times New Roman" panose="02020603050405020304" pitchFamily="18" charset="0"/>
-              </a:rPr>
-              <a:t>In our app all movies are present including the latest movies .</a:t>
-            </a:r>
-          </a:p>
-          <a:p>
-            <a:pPr marL="0" indent="0">
-              <a:buNone/>
-            </a:pPr>
-            <a:endParaRPr lang="en-IN" sz="2400" dirty="0">
-              <a:latin typeface="Times New Roman" panose="02020603050405020304" pitchFamily="18" charset="0"/>
-              <a:cs typeface="Times New Roman" panose="02020603050405020304" pitchFamily="18" charset="0"/>
-            </a:endParaRPr>
-          </a:p>
-          <a:p>
-            <a:endParaRPr lang="en-IN" sz="2400" dirty="0">
-              <a:latin typeface="Times New Roman" panose="02020603050405020304" pitchFamily="18" charset="0"/>
-              <a:cs typeface="Times New Roman" panose="02020603050405020304" pitchFamily="18" charset="0"/>
-            </a:endParaRPr>
-          </a:p>
-          <a:p>
-            <a:endParaRPr lang="en-IN" sz="2400" dirty="0">
-              <a:latin typeface="Times New Roman" panose="02020603050405020304" pitchFamily="18" charset="0"/>
-              <a:cs typeface="Times New Roman" panose="02020603050405020304" pitchFamily="18" charset="0"/>
-            </a:endParaRPr>
-          </a:p>
-          <a:p>
-            <a:endParaRPr lang="en-IN" dirty="0"/>
-          </a:p>
-          <a:p>
-            <a:endParaRPr lang="en-IN" dirty="0"/>
-          </a:p>
-        </p:txBody>
-      </p:sp>
-    </p:spTree>
-    <p:extLst>
-      <p:ext uri="{BB962C8B-B14F-4D97-AF65-F5344CB8AC3E}">
-        <p14:creationId xmlns:p14="http://schemas.microsoft.com/office/powerpoint/2010/main" val="629563462"/>
-      </p:ext>
-    </p:extLst>
-  </p:cSld>
-  <p:clrMapOvr>
-    <a:masterClrMapping/>
-  </p:clrMapOvr>
-</p:sld>
-</file>
-
-<file path=ppt/slides/slide3.xml><?xml version="1.0" encoding="utf-8"?>
-<p:sld xmlns:a="http://schemas.openxmlformats.org/drawingml/2006/main" xmlns:r="http://schemas.openxmlformats.org/officeDocument/2006/relationships" xmlns:p="http://schemas.openxmlformats.org/presentationml/2006/main">
-  <p:cSld>
-    <p:spTree>
-      <p:nvGrpSpPr>
-        <p:cNvPr id="1" name=""/>
-        <p:cNvGrpSpPr/>
-        <p:nvPr/>
-      </p:nvGrpSpPr>
-      <p:grpSpPr>
-        <a:xfrm>
-          <a:off x="0" y="0"/>
-          <a:ext cx="0" cy="0"/>
-          <a:chOff x="0" y="0"/>
-          <a:chExt cx="0" cy="0"/>
-        </a:xfrm>
-      </p:grpSpPr>
-      <p:sp>
-        <p:nvSpPr>
-          <p:cNvPr id="2" name="Title 1">
-            <a:extLst>
-              <a:ext uri="{FF2B5EF4-FFF2-40B4-BE49-F238E27FC236}">
-                <a16:creationId xmlns:a16="http://schemas.microsoft.com/office/drawing/2014/main" id="{14459B91-ADF6-783B-6BE2-B16F2B723438}"/>
-              </a:ext>
-            </a:extLst>
-          </p:cNvPr>
-          <p:cNvSpPr>
-            <a:spLocks noGrp="1"/>
-          </p:cNvSpPr>
-          <p:nvPr>
-            <p:ph type="title"/>
-          </p:nvPr>
-        </p:nvSpPr>
-        <p:spPr/>
-        <p:txBody>
-          <a:bodyPr/>
-          <a:lstStyle/>
-          <a:p>
-            <a:r>
-              <a:rPr lang="en-US" cap="none" dirty="0">
+          <a:bodyPr>
+            <a:normAutofit/>
+          </a:bodyPr>
+          <a:lstStyle/>
+          <a:p>
+            <a:r>
+              <a:rPr lang="en-US" sz="4000" cap="none" dirty="0">
                 <a:ln w="0"/>
                 <a:gradFill>
                   <a:gsLst>
@@ -4201,9 +3991,35 @@
                 <a:latin typeface="Times New Roman" panose="02020603050405020304" pitchFamily="18" charset="0"/>
                 <a:cs typeface="Times New Roman" panose="02020603050405020304" pitchFamily="18" charset="0"/>
               </a:rPr>
-              <a:t>Features of the App</a:t>
-            </a:r>
-            <a:endParaRPr lang="en-IN" dirty="0"/>
+              <a:t>Docker</a:t>
+            </a:r>
+            <a:endParaRPr lang="en-IN" sz="4000" cap="none" dirty="0">
+              <a:ln w="0"/>
+              <a:gradFill>
+                <a:gsLst>
+                  <a:gs pos="0">
+                    <a:schemeClr val="accent5">
+                      <a:lumMod val="50000"/>
+                    </a:schemeClr>
+                  </a:gs>
+                  <a:gs pos="50000">
+                    <a:schemeClr val="accent5"/>
+                  </a:gs>
+                  <a:gs pos="100000">
+                    <a:schemeClr val="accent5">
+                      <a:lumMod val="60000"/>
+                      <a:lumOff val="40000"/>
+                    </a:schemeClr>
+                  </a:gs>
+                </a:gsLst>
+                <a:lin ang="5400000"/>
+              </a:gradFill>
+              <a:effectLst>
+                <a:reflection blurRad="6350" stA="53000" endA="300" endPos="35500" dir="5400000" sy="-90000" algn="bl" rotWithShape="0"/>
+              </a:effectLst>
+              <a:latin typeface="Times New Roman" panose="02020603050405020304" pitchFamily="18" charset="0"/>
+              <a:cs typeface="Times New Roman" panose="02020603050405020304" pitchFamily="18" charset="0"/>
+            </a:endParaRPr>
           </a:p>
         </p:txBody>
       </p:sp>
@@ -4212,7 +4028,7 @@
           <p:cNvPr id="3" name="Content Placeholder 2">
             <a:extLst>
               <a:ext uri="{FF2B5EF4-FFF2-40B4-BE49-F238E27FC236}">
-                <a16:creationId xmlns:a16="http://schemas.microsoft.com/office/drawing/2014/main" id="{C7ACB1DF-C6F4-4A6D-A722-5B1920D79C47}"/>
+                <a16:creationId xmlns:a16="http://schemas.microsoft.com/office/drawing/2014/main" id="{13F68463-F219-4714-BED3-B812925CFAB0}"/>
               </a:ext>
             </a:extLst>
           </p:cNvPr>
@@ -4226,60 +4042,45 @@
         <p:spPr/>
         <p:txBody>
           <a:bodyPr>
-            <a:normAutofit/>
+            <a:noAutofit/>
           </a:bodyPr>
           <a:lstStyle/>
           <a:p>
             <a:r>
-              <a:rPr lang="en-IN" sz="2400" dirty="0">
-                <a:latin typeface="Times New Roman" panose="02020603050405020304" pitchFamily="18" charset="0"/>
-                <a:cs typeface="Times New Roman" panose="02020603050405020304" pitchFamily="18" charset="0"/>
-              </a:rPr>
-              <a:t>See the movie info.</a:t>
-            </a:r>
-          </a:p>
-          <a:p>
-            <a:r>
-              <a:rPr lang="en-IN" sz="2400" dirty="0">
-                <a:latin typeface="Times New Roman" panose="02020603050405020304" pitchFamily="18" charset="0"/>
-                <a:cs typeface="Times New Roman" panose="02020603050405020304" pitchFamily="18" charset="0"/>
-              </a:rPr>
-              <a:t>Search Any Movie.</a:t>
-            </a:r>
-          </a:p>
-          <a:p>
-            <a:r>
-              <a:rPr lang="en-IN" sz="2400" dirty="0">
-                <a:latin typeface="Times New Roman" panose="02020603050405020304" pitchFamily="18" charset="0"/>
-                <a:cs typeface="Times New Roman" panose="02020603050405020304" pitchFamily="18" charset="0"/>
-              </a:rPr>
-              <a:t>Add to Favourites.</a:t>
-            </a:r>
-          </a:p>
-          <a:p>
-            <a:r>
-              <a:rPr lang="en-IN" sz="2400" dirty="0">
-                <a:latin typeface="Times New Roman" panose="02020603050405020304" pitchFamily="18" charset="0"/>
-                <a:cs typeface="Times New Roman" panose="02020603050405020304" pitchFamily="18" charset="0"/>
-              </a:rPr>
-              <a:t>Delete from Favourites.</a:t>
-            </a:r>
-          </a:p>
-          <a:p>
-            <a:r>
-              <a:rPr lang="en-IN" sz="2400" dirty="0">
-                <a:latin typeface="Times New Roman" panose="02020603050405020304" pitchFamily="18" charset="0"/>
-                <a:cs typeface="Times New Roman" panose="02020603050405020304" pitchFamily="18" charset="0"/>
-              </a:rPr>
-              <a:t>Recommended movies related to particular movie. </a:t>
-            </a:r>
+              <a:rPr lang="en-US" sz="2400" b="0" i="0" dirty="0">
+                <a:solidFill>
+                  <a:srgbClr val="262626"/>
+                </a:solidFill>
+                <a:effectLst/>
+                <a:latin typeface="Times New Roman" panose="02020603050405020304" pitchFamily="18" charset="0"/>
+                <a:cs typeface="Times New Roman" panose="02020603050405020304" pitchFamily="18" charset="0"/>
+              </a:rPr>
+              <a:t>Docker is an open source platform for building, deploying, and managing containerized applications. </a:t>
+            </a:r>
+          </a:p>
+          <a:p>
+            <a:r>
+              <a:rPr lang="en-US" sz="2400" b="0" i="0" dirty="0">
+                <a:solidFill>
+                  <a:srgbClr val="525252"/>
+                </a:solidFill>
+                <a:effectLst/>
+                <a:latin typeface="Times New Roman" panose="02020603050405020304" pitchFamily="18" charset="0"/>
+                <a:cs typeface="Times New Roman" panose="02020603050405020304" pitchFamily="18" charset="0"/>
+              </a:rPr>
+              <a:t>It enables developers to package applications into containers—standardized executable components combining application source code with the operating system (OS) libraries and dependencies required to run that code in any environment. Containers simplify delivery of distributed applications</a:t>
+            </a:r>
+            <a:endParaRPr lang="en-IN" sz="2400" dirty="0">
+              <a:latin typeface="Times New Roman" panose="02020603050405020304" pitchFamily="18" charset="0"/>
+              <a:cs typeface="Times New Roman" panose="02020603050405020304" pitchFamily="18" charset="0"/>
+            </a:endParaRPr>
           </a:p>
         </p:txBody>
       </p:sp>
     </p:spTree>
     <p:extLst>
       <p:ext uri="{BB962C8B-B14F-4D97-AF65-F5344CB8AC3E}">
-        <p14:creationId xmlns:p14="http://schemas.microsoft.com/office/powerpoint/2010/main" val="1684440525"/>
+        <p14:creationId xmlns:p14="http://schemas.microsoft.com/office/powerpoint/2010/main" val="2176844728"/>
       </p:ext>
     </p:extLst>
   </p:cSld>
@@ -4289,7 +4090,560 @@
 </p:sld>
 </file>
 
-<file path=ppt/slides/slide4.xml><?xml version="1.0" encoding="utf-8"?>
+<file path=ppt/slides/slide11.xml><?xml version="1.0" encoding="utf-8"?>
+<p:sld xmlns:a="http://schemas.openxmlformats.org/drawingml/2006/main" xmlns:r="http://schemas.openxmlformats.org/officeDocument/2006/relationships" xmlns:p="http://schemas.openxmlformats.org/presentationml/2006/main">
+  <p:cSld>
+    <p:spTree>
+      <p:nvGrpSpPr>
+        <p:cNvPr id="1" name=""/>
+        <p:cNvGrpSpPr/>
+        <p:nvPr/>
+      </p:nvGrpSpPr>
+      <p:grpSpPr>
+        <a:xfrm>
+          <a:off x="0" y="0"/>
+          <a:ext cx="0" cy="0"/>
+          <a:chOff x="0" y="0"/>
+          <a:chExt cx="0" cy="0"/>
+        </a:xfrm>
+      </p:grpSpPr>
+      <p:sp>
+        <p:nvSpPr>
+          <p:cNvPr id="2" name="Title 1">
+            <a:extLst>
+              <a:ext uri="{FF2B5EF4-FFF2-40B4-BE49-F238E27FC236}">
+                <a16:creationId xmlns:a16="http://schemas.microsoft.com/office/drawing/2014/main" id="{3EE70454-E6D2-4E02-8F8C-9A8473E9AF1E}"/>
+              </a:ext>
+            </a:extLst>
+          </p:cNvPr>
+          <p:cNvSpPr>
+            <a:spLocks noGrp="1"/>
+          </p:cNvSpPr>
+          <p:nvPr>
+            <p:ph type="title"/>
+          </p:nvPr>
+        </p:nvSpPr>
+        <p:spPr/>
+        <p:txBody>
+          <a:bodyPr>
+            <a:normAutofit/>
+          </a:bodyPr>
+          <a:lstStyle/>
+          <a:p>
+            <a:r>
+              <a:rPr lang="en-US" sz="4000" cap="none" dirty="0">
+                <a:ln w="0"/>
+                <a:gradFill>
+                  <a:gsLst>
+                    <a:gs pos="0">
+                      <a:schemeClr val="accent5">
+                        <a:lumMod val="50000"/>
+                      </a:schemeClr>
+                    </a:gs>
+                    <a:gs pos="50000">
+                      <a:schemeClr val="accent5"/>
+                    </a:gs>
+                    <a:gs pos="100000">
+                      <a:schemeClr val="accent5">
+                        <a:lumMod val="60000"/>
+                        <a:lumOff val="40000"/>
+                      </a:schemeClr>
+                    </a:gs>
+                  </a:gsLst>
+                  <a:lin ang="5400000"/>
+                </a:gradFill>
+                <a:effectLst>
+                  <a:reflection blurRad="6350" stA="53000" endA="300" endPos="35500" dir="5400000" sy="-90000" algn="bl" rotWithShape="0"/>
+                </a:effectLst>
+                <a:latin typeface="Times New Roman" panose="02020603050405020304" pitchFamily="18" charset="0"/>
+                <a:cs typeface="Times New Roman" panose="02020603050405020304" pitchFamily="18" charset="0"/>
+              </a:rPr>
+              <a:t>Angular</a:t>
+            </a:r>
+            <a:endParaRPr lang="en-IN" sz="4000" cap="none" dirty="0">
+              <a:ln w="0"/>
+              <a:gradFill>
+                <a:gsLst>
+                  <a:gs pos="0">
+                    <a:schemeClr val="accent5">
+                      <a:lumMod val="50000"/>
+                    </a:schemeClr>
+                  </a:gs>
+                  <a:gs pos="50000">
+                    <a:schemeClr val="accent5"/>
+                  </a:gs>
+                  <a:gs pos="100000">
+                    <a:schemeClr val="accent5">
+                      <a:lumMod val="60000"/>
+                      <a:lumOff val="40000"/>
+                    </a:schemeClr>
+                  </a:gs>
+                </a:gsLst>
+                <a:lin ang="5400000"/>
+              </a:gradFill>
+              <a:effectLst>
+                <a:reflection blurRad="6350" stA="53000" endA="300" endPos="35500" dir="5400000" sy="-90000" algn="bl" rotWithShape="0"/>
+              </a:effectLst>
+              <a:latin typeface="Times New Roman" panose="02020603050405020304" pitchFamily="18" charset="0"/>
+              <a:cs typeface="Times New Roman" panose="02020603050405020304" pitchFamily="18" charset="0"/>
+            </a:endParaRPr>
+          </a:p>
+        </p:txBody>
+      </p:sp>
+      <p:sp>
+        <p:nvSpPr>
+          <p:cNvPr id="3" name="Content Placeholder 2">
+            <a:extLst>
+              <a:ext uri="{FF2B5EF4-FFF2-40B4-BE49-F238E27FC236}">
+                <a16:creationId xmlns:a16="http://schemas.microsoft.com/office/drawing/2014/main" id="{EC40ECDF-C89C-4707-BB3F-A8912D82519A}"/>
+              </a:ext>
+            </a:extLst>
+          </p:cNvPr>
+          <p:cNvSpPr>
+            <a:spLocks noGrp="1"/>
+          </p:cNvSpPr>
+          <p:nvPr>
+            <p:ph idx="1"/>
+          </p:nvPr>
+        </p:nvSpPr>
+        <p:spPr>
+          <a:xfrm>
+            <a:off x="1451580" y="2015733"/>
+            <a:ext cx="9814184" cy="3967818"/>
+          </a:xfrm>
+        </p:spPr>
+        <p:txBody>
+          <a:bodyPr>
+            <a:normAutofit/>
+          </a:bodyPr>
+          <a:lstStyle/>
+          <a:p>
+            <a:pPr algn="l"/>
+            <a:r>
+              <a:rPr lang="en-US" sz="2400" b="0" i="0" dirty="0">
+                <a:effectLst/>
+                <a:latin typeface="Times New Roman" panose="02020603050405020304" pitchFamily="18" charset="0"/>
+                <a:cs typeface="Times New Roman" panose="02020603050405020304" pitchFamily="18" charset="0"/>
+              </a:rPr>
+              <a:t>Angular is a platform and framework for building single-page client applications using HTML,CSS and TypeScript. </a:t>
+            </a:r>
+          </a:p>
+          <a:p>
+            <a:pPr algn="l"/>
+            <a:r>
+              <a:rPr lang="en-US" sz="2400" b="0" i="0" dirty="0">
+                <a:effectLst/>
+                <a:latin typeface="Times New Roman" panose="02020603050405020304" pitchFamily="18" charset="0"/>
+                <a:cs typeface="Times New Roman" panose="02020603050405020304" pitchFamily="18" charset="0"/>
+              </a:rPr>
+              <a:t>It implements core and optional functionality as a set of TypeScript libraries that you import into your applications.</a:t>
+            </a:r>
+          </a:p>
+          <a:p>
+            <a:endParaRPr lang="en-IN" sz="2400" dirty="0">
+              <a:latin typeface="Times New Roman" panose="02020603050405020304" pitchFamily="18" charset="0"/>
+              <a:cs typeface="Times New Roman" panose="02020603050405020304" pitchFamily="18" charset="0"/>
+            </a:endParaRPr>
+          </a:p>
+        </p:txBody>
+      </p:sp>
+    </p:spTree>
+    <p:extLst>
+      <p:ext uri="{BB962C8B-B14F-4D97-AF65-F5344CB8AC3E}">
+        <p14:creationId xmlns:p14="http://schemas.microsoft.com/office/powerpoint/2010/main" val="957374672"/>
+      </p:ext>
+    </p:extLst>
+  </p:cSld>
+  <p:clrMapOvr>
+    <a:masterClrMapping/>
+  </p:clrMapOvr>
+</p:sld>
+</file>
+
+<file path=ppt/slides/slide12.xml><?xml version="1.0" encoding="utf-8"?>
+<p:sld xmlns:a="http://schemas.openxmlformats.org/drawingml/2006/main" xmlns:r="http://schemas.openxmlformats.org/officeDocument/2006/relationships" xmlns:p="http://schemas.openxmlformats.org/presentationml/2006/main">
+  <p:cSld>
+    <p:spTree>
+      <p:nvGrpSpPr>
+        <p:cNvPr id="1" name=""/>
+        <p:cNvGrpSpPr/>
+        <p:nvPr/>
+      </p:nvGrpSpPr>
+      <p:grpSpPr>
+        <a:xfrm>
+          <a:off x="0" y="0"/>
+          <a:ext cx="0" cy="0"/>
+          <a:chOff x="0" y="0"/>
+          <a:chExt cx="0" cy="0"/>
+        </a:xfrm>
+      </p:grpSpPr>
+      <p:sp>
+        <p:nvSpPr>
+          <p:cNvPr id="2" name="Title 1">
+            <a:extLst>
+              <a:ext uri="{FF2B5EF4-FFF2-40B4-BE49-F238E27FC236}">
+                <a16:creationId xmlns:a16="http://schemas.microsoft.com/office/drawing/2014/main" id="{1E96D0D7-D2E3-4F2C-916C-AAD6AB9E0C6C}"/>
+              </a:ext>
+            </a:extLst>
+          </p:cNvPr>
+          <p:cNvSpPr>
+            <a:spLocks noGrp="1"/>
+          </p:cNvSpPr>
+          <p:nvPr>
+            <p:ph type="title"/>
+          </p:nvPr>
+        </p:nvSpPr>
+        <p:spPr/>
+        <p:txBody>
+          <a:bodyPr>
+            <a:normAutofit/>
+          </a:bodyPr>
+          <a:lstStyle/>
+          <a:p>
+            <a:r>
+              <a:rPr lang="en-US" sz="4000" cap="none" dirty="0">
+                <a:ln w="0"/>
+                <a:gradFill>
+                  <a:gsLst>
+                    <a:gs pos="0">
+                      <a:schemeClr val="accent5">
+                        <a:lumMod val="50000"/>
+                      </a:schemeClr>
+                    </a:gs>
+                    <a:gs pos="50000">
+                      <a:schemeClr val="accent5"/>
+                    </a:gs>
+                    <a:gs pos="100000">
+                      <a:schemeClr val="accent5">
+                        <a:lumMod val="60000"/>
+                        <a:lumOff val="40000"/>
+                      </a:schemeClr>
+                    </a:gs>
+                  </a:gsLst>
+                  <a:lin ang="5400000"/>
+                </a:gradFill>
+                <a:effectLst>
+                  <a:reflection blurRad="6350" stA="53000" endA="300" endPos="35500" dir="5400000" sy="-90000" algn="bl" rotWithShape="0"/>
+                </a:effectLst>
+                <a:latin typeface="Times New Roman" panose="02020603050405020304" pitchFamily="18" charset="0"/>
+                <a:cs typeface="Times New Roman" panose="02020603050405020304" pitchFamily="18" charset="0"/>
+              </a:rPr>
+              <a:t>MongoDB</a:t>
+            </a:r>
+            <a:endParaRPr lang="en-IN" sz="4000" cap="none" dirty="0">
+              <a:ln w="0"/>
+              <a:gradFill>
+                <a:gsLst>
+                  <a:gs pos="0">
+                    <a:schemeClr val="accent5">
+                      <a:lumMod val="50000"/>
+                    </a:schemeClr>
+                  </a:gs>
+                  <a:gs pos="50000">
+                    <a:schemeClr val="accent5"/>
+                  </a:gs>
+                  <a:gs pos="100000">
+                    <a:schemeClr val="accent5">
+                      <a:lumMod val="60000"/>
+                      <a:lumOff val="40000"/>
+                    </a:schemeClr>
+                  </a:gs>
+                </a:gsLst>
+                <a:lin ang="5400000"/>
+              </a:gradFill>
+              <a:effectLst>
+                <a:reflection blurRad="6350" stA="53000" endA="300" endPos="35500" dir="5400000" sy="-90000" algn="bl" rotWithShape="0"/>
+              </a:effectLst>
+              <a:latin typeface="Times New Roman" panose="02020603050405020304" pitchFamily="18" charset="0"/>
+              <a:cs typeface="Times New Roman" panose="02020603050405020304" pitchFamily="18" charset="0"/>
+            </a:endParaRPr>
+          </a:p>
+        </p:txBody>
+      </p:sp>
+      <p:sp>
+        <p:nvSpPr>
+          <p:cNvPr id="3" name="Content Placeholder 2">
+            <a:extLst>
+              <a:ext uri="{FF2B5EF4-FFF2-40B4-BE49-F238E27FC236}">
+                <a16:creationId xmlns:a16="http://schemas.microsoft.com/office/drawing/2014/main" id="{B40B1933-0D83-49F3-A65C-A50117F4414A}"/>
+              </a:ext>
+            </a:extLst>
+          </p:cNvPr>
+          <p:cNvSpPr>
+            <a:spLocks noGrp="1"/>
+          </p:cNvSpPr>
+          <p:nvPr>
+            <p:ph idx="1"/>
+          </p:nvPr>
+        </p:nvSpPr>
+        <p:spPr/>
+        <p:txBody>
+          <a:bodyPr>
+            <a:normAutofit/>
+          </a:bodyPr>
+          <a:lstStyle/>
+          <a:p>
+            <a:r>
+              <a:rPr lang="en-US" sz="2400" b="0" i="0" dirty="0">
+                <a:effectLst/>
+                <a:latin typeface="Times New Roman" panose="02020603050405020304" pitchFamily="18" charset="0"/>
+                <a:cs typeface="Times New Roman" panose="02020603050405020304" pitchFamily="18" charset="0"/>
+              </a:rPr>
+              <a:t>MongoDB is a very popular open-source Document Database that operates as a NoSQL database. </a:t>
+            </a:r>
+          </a:p>
+          <a:p>
+            <a:r>
+              <a:rPr lang="en-US" sz="2400" b="0" i="0" dirty="0">
+                <a:effectLst/>
+                <a:latin typeface="Times New Roman" panose="02020603050405020304" pitchFamily="18" charset="0"/>
+                <a:cs typeface="Times New Roman" panose="02020603050405020304" pitchFamily="18" charset="0"/>
+              </a:rPr>
+              <a:t>It is popularly used in collaboration with AWS, Azure, and many other data sources for application development and functioning</a:t>
+            </a:r>
+          </a:p>
+          <a:p>
+            <a:r>
+              <a:rPr lang="en-US" sz="2400" b="0" i="0" dirty="0">
+                <a:effectLst/>
+                <a:latin typeface="Times New Roman" panose="02020603050405020304" pitchFamily="18" charset="0"/>
+                <a:cs typeface="Times New Roman" panose="02020603050405020304" pitchFamily="18" charset="0"/>
+              </a:rPr>
+              <a:t>It provides, high performance, high availability, and easy scalability. </a:t>
+            </a:r>
+          </a:p>
+          <a:p>
+            <a:r>
+              <a:rPr lang="en-US" sz="2400" b="0" i="0" dirty="0">
+                <a:effectLst/>
+                <a:latin typeface="Times New Roman" panose="02020603050405020304" pitchFamily="18" charset="0"/>
+                <a:cs typeface="Times New Roman" panose="02020603050405020304" pitchFamily="18" charset="0"/>
+              </a:rPr>
+              <a:t>MongoDB works on concept of collection and document.</a:t>
+            </a:r>
+            <a:endParaRPr lang="en-IN" sz="2400" dirty="0">
+              <a:latin typeface="Times New Roman" panose="02020603050405020304" pitchFamily="18" charset="0"/>
+              <a:cs typeface="Times New Roman" panose="02020603050405020304" pitchFamily="18" charset="0"/>
+            </a:endParaRPr>
+          </a:p>
+        </p:txBody>
+      </p:sp>
+    </p:spTree>
+    <p:extLst>
+      <p:ext uri="{BB962C8B-B14F-4D97-AF65-F5344CB8AC3E}">
+        <p14:creationId xmlns:p14="http://schemas.microsoft.com/office/powerpoint/2010/main" val="515666235"/>
+      </p:ext>
+    </p:extLst>
+  </p:cSld>
+  <p:clrMapOvr>
+    <a:masterClrMapping/>
+  </p:clrMapOvr>
+</p:sld>
+</file>
+
+<file path=ppt/slides/slide13.xml><?xml version="1.0" encoding="utf-8"?>
+<p:sld xmlns:a="http://schemas.openxmlformats.org/drawingml/2006/main" xmlns:r="http://schemas.openxmlformats.org/officeDocument/2006/relationships" xmlns:p="http://schemas.openxmlformats.org/presentationml/2006/main">
+  <p:cSld>
+    <p:spTree>
+      <p:nvGrpSpPr>
+        <p:cNvPr id="1" name=""/>
+        <p:cNvGrpSpPr/>
+        <p:nvPr/>
+      </p:nvGrpSpPr>
+      <p:grpSpPr>
+        <a:xfrm>
+          <a:off x="0" y="0"/>
+          <a:ext cx="0" cy="0"/>
+          <a:chOff x="0" y="0"/>
+          <a:chExt cx="0" cy="0"/>
+        </a:xfrm>
+      </p:grpSpPr>
+      <p:sp>
+        <p:nvSpPr>
+          <p:cNvPr id="2" name="Title 1">
+            <a:extLst>
+              <a:ext uri="{FF2B5EF4-FFF2-40B4-BE49-F238E27FC236}">
+                <a16:creationId xmlns:a16="http://schemas.microsoft.com/office/drawing/2014/main" id="{33D53C5C-45CB-4DE0-9E98-E437064C15E4}"/>
+              </a:ext>
+            </a:extLst>
+          </p:cNvPr>
+          <p:cNvSpPr>
+            <a:spLocks noGrp="1"/>
+          </p:cNvSpPr>
+          <p:nvPr>
+            <p:ph type="title"/>
+          </p:nvPr>
+        </p:nvSpPr>
+        <p:spPr/>
+        <p:txBody>
+          <a:bodyPr>
+            <a:normAutofit/>
+          </a:bodyPr>
+          <a:lstStyle/>
+          <a:p>
+            <a:r>
+              <a:rPr lang="en-US" sz="4000" cap="none" dirty="0">
+                <a:ln w="0"/>
+                <a:gradFill>
+                  <a:gsLst>
+                    <a:gs pos="0">
+                      <a:schemeClr val="accent5">
+                        <a:lumMod val="50000"/>
+                      </a:schemeClr>
+                    </a:gs>
+                    <a:gs pos="50000">
+                      <a:schemeClr val="accent5"/>
+                    </a:gs>
+                    <a:gs pos="100000">
+                      <a:schemeClr val="accent5">
+                        <a:lumMod val="60000"/>
+                        <a:lumOff val="40000"/>
+                      </a:schemeClr>
+                    </a:gs>
+                  </a:gsLst>
+                  <a:lin ang="5400000"/>
+                </a:gradFill>
+                <a:effectLst>
+                  <a:reflection blurRad="6350" stA="53000" endA="300" endPos="35500" dir="5400000" sy="-90000" algn="bl" rotWithShape="0"/>
+                </a:effectLst>
+                <a:latin typeface="Times New Roman" panose="02020603050405020304" pitchFamily="18" charset="0"/>
+                <a:cs typeface="Times New Roman" panose="02020603050405020304" pitchFamily="18" charset="0"/>
+              </a:rPr>
+              <a:t>MySQL</a:t>
+            </a:r>
+            <a:endParaRPr lang="en-IN" sz="4000" cap="none" dirty="0">
+              <a:ln w="0"/>
+              <a:gradFill>
+                <a:gsLst>
+                  <a:gs pos="0">
+                    <a:schemeClr val="accent5">
+                      <a:lumMod val="50000"/>
+                    </a:schemeClr>
+                  </a:gs>
+                  <a:gs pos="50000">
+                    <a:schemeClr val="accent5"/>
+                  </a:gs>
+                  <a:gs pos="100000">
+                    <a:schemeClr val="accent5">
+                      <a:lumMod val="60000"/>
+                      <a:lumOff val="40000"/>
+                    </a:schemeClr>
+                  </a:gs>
+                </a:gsLst>
+                <a:lin ang="5400000"/>
+              </a:gradFill>
+              <a:effectLst>
+                <a:reflection blurRad="6350" stA="53000" endA="300" endPos="35500" dir="5400000" sy="-90000" algn="bl" rotWithShape="0"/>
+              </a:effectLst>
+              <a:latin typeface="Times New Roman" panose="02020603050405020304" pitchFamily="18" charset="0"/>
+              <a:cs typeface="Times New Roman" panose="02020603050405020304" pitchFamily="18" charset="0"/>
+            </a:endParaRPr>
+          </a:p>
+        </p:txBody>
+      </p:sp>
+      <p:sp>
+        <p:nvSpPr>
+          <p:cNvPr id="3" name="Content Placeholder 2">
+            <a:extLst>
+              <a:ext uri="{FF2B5EF4-FFF2-40B4-BE49-F238E27FC236}">
+                <a16:creationId xmlns:a16="http://schemas.microsoft.com/office/drawing/2014/main" id="{E8F17168-819C-4D66-BE79-35D4E4AD501D}"/>
+              </a:ext>
+            </a:extLst>
+          </p:cNvPr>
+          <p:cNvSpPr>
+            <a:spLocks noGrp="1"/>
+          </p:cNvSpPr>
+          <p:nvPr>
+            <p:ph idx="1"/>
+          </p:nvPr>
+        </p:nvSpPr>
+        <p:spPr/>
+        <p:txBody>
+          <a:bodyPr>
+            <a:normAutofit/>
+          </a:bodyPr>
+          <a:lstStyle/>
+          <a:p>
+            <a:r>
+              <a:rPr lang="en-US" sz="2400" b="0" i="0" dirty="0">
+                <a:solidFill>
+                  <a:srgbClr val="333333"/>
+                </a:solidFill>
+                <a:effectLst/>
+                <a:latin typeface="Times New Roman" panose="02020603050405020304" pitchFamily="18" charset="0"/>
+                <a:cs typeface="Times New Roman" panose="02020603050405020304" pitchFamily="18" charset="0"/>
+              </a:rPr>
+              <a:t>MySQL is a relational database management system based on the Structured Query Language, which is the popular language for accessing and managing the records in the database.</a:t>
+            </a:r>
+          </a:p>
+          <a:p>
+            <a:r>
+              <a:rPr lang="en-US" sz="2400" b="0" i="0" dirty="0">
+                <a:solidFill>
+                  <a:srgbClr val="333333"/>
+                </a:solidFill>
+                <a:effectLst/>
+                <a:latin typeface="Times New Roman" panose="02020603050405020304" pitchFamily="18" charset="0"/>
+                <a:cs typeface="Times New Roman" panose="02020603050405020304" pitchFamily="18" charset="0"/>
+              </a:rPr>
+              <a:t> MySQL is open-source and free software under the GNU license.</a:t>
+            </a:r>
+          </a:p>
+          <a:p>
+            <a:r>
+              <a:rPr lang="en-US" sz="2400" b="0" i="0" dirty="0">
+                <a:solidFill>
+                  <a:srgbClr val="333333"/>
+                </a:solidFill>
+                <a:effectLst/>
+                <a:latin typeface="Times New Roman" panose="02020603050405020304" pitchFamily="18" charset="0"/>
+                <a:cs typeface="Times New Roman" panose="02020603050405020304" pitchFamily="18" charset="0"/>
+              </a:rPr>
+              <a:t> It is supported by </a:t>
+            </a:r>
+            <a:r>
+              <a:rPr lang="en-US" sz="2400" b="1" i="0" dirty="0">
+                <a:solidFill>
+                  <a:srgbClr val="333333"/>
+                </a:solidFill>
+                <a:effectLst/>
+                <a:latin typeface="Times New Roman" panose="02020603050405020304" pitchFamily="18" charset="0"/>
+                <a:cs typeface="Times New Roman" panose="02020603050405020304" pitchFamily="18" charset="0"/>
+              </a:rPr>
+              <a:t>Oracle Company</a:t>
+            </a:r>
+            <a:r>
+              <a:rPr lang="en-US" sz="2400" b="0" i="0" dirty="0">
+                <a:solidFill>
+                  <a:srgbClr val="333333"/>
+                </a:solidFill>
+                <a:effectLst/>
+                <a:latin typeface="Times New Roman" panose="02020603050405020304" pitchFamily="18" charset="0"/>
+                <a:cs typeface="Times New Roman" panose="02020603050405020304" pitchFamily="18" charset="0"/>
+              </a:rPr>
+              <a:t>.</a:t>
+            </a:r>
+            <a:endParaRPr lang="en-IN" sz="2400" dirty="0">
+              <a:latin typeface="Times New Roman" panose="02020603050405020304" pitchFamily="18" charset="0"/>
+              <a:cs typeface="Times New Roman" panose="02020603050405020304" pitchFamily="18" charset="0"/>
+            </a:endParaRPr>
+          </a:p>
+        </p:txBody>
+      </p:sp>
+    </p:spTree>
+    <p:extLst>
+      <p:ext uri="{BB962C8B-B14F-4D97-AF65-F5344CB8AC3E}">
+        <p14:creationId xmlns:p14="http://schemas.microsoft.com/office/powerpoint/2010/main" val="1798644487"/>
+      </p:ext>
+    </p:extLst>
+  </p:cSld>
+  <p:clrMapOvr>
+    <a:masterClrMapping/>
+  </p:clrMapOvr>
+</p:sld>
+</file>
+
+<file path=ppt/slides/slide14.xml><?xml version="1.0" encoding="utf-8"?>
 <p:sld xmlns:a="http://schemas.openxmlformats.org/drawingml/2006/main" xmlns:r="http://schemas.openxmlformats.org/officeDocument/2006/relationships" xmlns:p="http://schemas.openxmlformats.org/presentationml/2006/main">
   <p:cSld>
     <p:spTree>
@@ -4354,7 +4708,7 @@
 </p:sld>
 </file>
 
-<file path=ppt/slides/slide5.xml><?xml version="1.0" encoding="utf-8"?>
+<file path=ppt/slides/slide15.xml><?xml version="1.0" encoding="utf-8"?>
 <p:sld xmlns:a="http://schemas.openxmlformats.org/drawingml/2006/main" xmlns:r="http://schemas.openxmlformats.org/officeDocument/2006/relationships" xmlns:p="http://schemas.openxmlformats.org/presentationml/2006/main">
   <p:cSld>
     <p:spTree>
@@ -4420,7 +4774,7 @@
 </p:sld>
 </file>
 
-<file path=ppt/slides/slide6.xml><?xml version="1.0" encoding="utf-8"?>
+<file path=ppt/slides/slide16.xml><?xml version="1.0" encoding="utf-8"?>
 <p:sld xmlns:a="http://schemas.openxmlformats.org/drawingml/2006/main" xmlns:r="http://schemas.openxmlformats.org/officeDocument/2006/relationships" xmlns:p="http://schemas.openxmlformats.org/presentationml/2006/main">
   <p:cSld>
     <p:spTree>
@@ -4439,13 +4793,97 @@
       </p:grpSpPr>
       <p:sp>
         <p:nvSpPr>
-          <p:cNvPr id="2" name="Title 1">
+          <p:cNvPr id="5" name="Rectangle 4">
             <a:extLst>
               <a:ext uri="{FF2B5EF4-FFF2-40B4-BE49-F238E27FC236}">
-                <a16:creationId xmlns:a16="http://schemas.microsoft.com/office/drawing/2014/main" id="{C097676A-B404-45A9-8CB5-E276955FAB9A}"/>
+                <a16:creationId xmlns:a16="http://schemas.microsoft.com/office/drawing/2014/main" id="{8B5E87C5-4D34-498E-B021-2C1B2DBF5595}"/>
               </a:ext>
             </a:extLst>
           </p:cNvPr>
+          <p:cNvSpPr/>
+          <p:nvPr/>
+        </p:nvSpPr>
+        <p:spPr>
+          <a:xfrm rot="19489692">
+            <a:off x="3675318" y="2828835"/>
+            <a:ext cx="4841364" cy="1200329"/>
+          </a:xfrm>
+          <a:prstGeom prst="rect">
+            <a:avLst/>
+          </a:prstGeom>
+          <a:noFill/>
+        </p:spPr>
+        <p:txBody>
+          <a:bodyPr wrap="square" lIns="91440" tIns="45720" rIns="91440" bIns="45720">
+            <a:spAutoFit/>
+            <a:scene3d>
+              <a:camera prst="orthographicFront"/>
+              <a:lightRig rig="harsh" dir="t"/>
+            </a:scene3d>
+            <a:sp3d extrusionH="57150" prstMaterial="matte">
+              <a:bevelT w="63500" h="12700" prst="angle"/>
+              <a:contourClr>
+                <a:schemeClr val="bg1">
+                  <a:lumMod val="65000"/>
+                </a:schemeClr>
+              </a:contourClr>
+            </a:sp3d>
+          </a:bodyPr>
+          <a:lstStyle/>
+          <a:p>
+            <a:pPr algn="ctr"/>
+            <a:r>
+              <a:rPr lang="en-US" sz="7200" b="1" cap="none" spc="0" dirty="0">
+                <a:ln/>
+                <a:solidFill>
+                  <a:schemeClr val="accent3"/>
+                </a:solidFill>
+                <a:effectLst/>
+              </a:rPr>
+              <a:t>Thank You</a:t>
+            </a:r>
+          </a:p>
+        </p:txBody>
+      </p:sp>
+    </p:spTree>
+    <p:extLst>
+      <p:ext uri="{BB962C8B-B14F-4D97-AF65-F5344CB8AC3E}">
+        <p14:creationId xmlns:p14="http://schemas.microsoft.com/office/powerpoint/2010/main" val="56129990"/>
+      </p:ext>
+    </p:extLst>
+  </p:cSld>
+  <p:clrMapOvr>
+    <a:masterClrMapping/>
+  </p:clrMapOvr>
+</p:sld>
+</file>
+
+<file path=ppt/slides/slide2.xml><?xml version="1.0" encoding="utf-8"?>
+<p:sld xmlns:a="http://schemas.openxmlformats.org/drawingml/2006/main" xmlns:r="http://schemas.openxmlformats.org/officeDocument/2006/relationships" xmlns:p="http://schemas.openxmlformats.org/presentationml/2006/main">
+  <p:cSld>
+    <p:spTree>
+      <p:nvGrpSpPr>
+        <p:cNvPr id="1" name=""/>
+        <p:cNvGrpSpPr/>
+        <p:nvPr/>
+      </p:nvGrpSpPr>
+      <p:grpSpPr>
+        <a:xfrm>
+          <a:off x="0" y="0"/>
+          <a:ext cx="0" cy="0"/>
+          <a:chOff x="0" y="0"/>
+          <a:chExt cx="0" cy="0"/>
+        </a:xfrm>
+      </p:grpSpPr>
+      <p:sp>
+        <p:nvSpPr>
+          <p:cNvPr id="4" name="Title 3">
+            <a:extLst>
+              <a:ext uri="{FF2B5EF4-FFF2-40B4-BE49-F238E27FC236}">
+                <a16:creationId xmlns:a16="http://schemas.microsoft.com/office/drawing/2014/main" id="{D8CACC0F-901F-4D78-AF3C-1D72D6FD873D}"/>
+              </a:ext>
+            </a:extLst>
+          </p:cNvPr>
           <p:cNvSpPr>
             <a:spLocks noGrp="1"/>
           </p:cNvSpPr>
@@ -4453,18 +4891,15 @@
             <p:ph type="title"/>
           </p:nvPr>
         </p:nvSpPr>
-        <p:spPr>
-          <a:xfrm>
-            <a:off x="1451579" y="804518"/>
-            <a:ext cx="9603275" cy="1116000"/>
-          </a:xfrm>
-        </p:spPr>
-        <p:txBody>
-          <a:bodyPr/>
-          <a:lstStyle/>
-          <a:p>
-            <a:r>
-              <a:rPr lang="en-US" cap="none" dirty="0">
+        <p:spPr/>
+        <p:txBody>
+          <a:bodyPr>
+            <a:normAutofit/>
+          </a:bodyPr>
+          <a:lstStyle/>
+          <a:p>
+            <a:r>
+              <a:rPr lang="en-US" sz="4000" cap="none" dirty="0">
                 <a:ln w="0"/>
                 <a:gradFill>
                   <a:gsLst>
@@ -4491,9 +4926,9 @@
                 <a:latin typeface="Times New Roman" panose="02020603050405020304" pitchFamily="18" charset="0"/>
                 <a:cs typeface="Times New Roman" panose="02020603050405020304" pitchFamily="18" charset="0"/>
               </a:rPr>
-              <a:t>Tools &amp; technology</a:t>
-            </a:r>
-            <a:endParaRPr lang="en-IN" cap="none" dirty="0">
+              <a:t>Introduction</a:t>
+            </a:r>
+            <a:endParaRPr lang="en-IN" sz="4000" cap="none" dirty="0">
               <a:ln w="0"/>
               <a:gradFill>
                 <a:gsLst>
@@ -4525,6 +4960,393 @@
       </p:sp>
       <p:sp>
         <p:nvSpPr>
+          <p:cNvPr id="5" name="Content Placeholder 4">
+            <a:extLst>
+              <a:ext uri="{FF2B5EF4-FFF2-40B4-BE49-F238E27FC236}">
+                <a16:creationId xmlns:a16="http://schemas.microsoft.com/office/drawing/2014/main" id="{CE7DCB8E-F0A0-4B01-B19D-9AA1E44319AE}"/>
+              </a:ext>
+            </a:extLst>
+          </p:cNvPr>
+          <p:cNvSpPr>
+            <a:spLocks noGrp="1"/>
+          </p:cNvSpPr>
+          <p:nvPr>
+            <p:ph idx="1"/>
+          </p:nvPr>
+        </p:nvSpPr>
+        <p:spPr>
+          <a:xfrm>
+            <a:off x="1181887" y="2006854"/>
+            <a:ext cx="10142658" cy="3450613"/>
+          </a:xfrm>
+        </p:spPr>
+        <p:txBody>
+          <a:bodyPr/>
+          <a:lstStyle/>
+          <a:p>
+            <a:r>
+              <a:rPr lang="en-US" sz="2400" dirty="0">
+                <a:latin typeface="Times New Roman" panose="02020603050405020304" pitchFamily="18" charset="0"/>
+                <a:cs typeface="Times New Roman" panose="02020603050405020304" pitchFamily="18" charset="0"/>
+              </a:rPr>
+              <a:t>Our Muzix application is nothing but a movie application.</a:t>
+            </a:r>
+          </a:p>
+          <a:p>
+            <a:r>
+              <a:rPr lang="en-US" sz="2400" dirty="0">
+                <a:latin typeface="Times New Roman" panose="02020603050405020304" pitchFamily="18" charset="0"/>
+                <a:cs typeface="Times New Roman" panose="02020603050405020304" pitchFamily="18" charset="0"/>
+              </a:rPr>
+              <a:t>This app is designed to see all the movies of various languages &amp; genres.</a:t>
+            </a:r>
+          </a:p>
+          <a:p>
+            <a:r>
+              <a:rPr lang="en-US" sz="2400" dirty="0">
+                <a:latin typeface="Times New Roman" panose="02020603050405020304" pitchFamily="18" charset="0"/>
+                <a:cs typeface="Times New Roman" panose="02020603050405020304" pitchFamily="18" charset="0"/>
+              </a:rPr>
+              <a:t>This app uses a 3</a:t>
+            </a:r>
+            <a:r>
+              <a:rPr lang="en-US" sz="2400" baseline="30000" dirty="0">
+                <a:latin typeface="Times New Roman" panose="02020603050405020304" pitchFamily="18" charset="0"/>
+                <a:cs typeface="Times New Roman" panose="02020603050405020304" pitchFamily="18" charset="0"/>
+              </a:rPr>
+              <a:t>rd</a:t>
+            </a:r>
+            <a:r>
+              <a:rPr lang="en-US" sz="2400" dirty="0">
+                <a:latin typeface="Times New Roman" panose="02020603050405020304" pitchFamily="18" charset="0"/>
+                <a:cs typeface="Times New Roman" panose="02020603050405020304" pitchFamily="18" charset="0"/>
+              </a:rPr>
+              <a:t> party API to fetch the movies.</a:t>
+            </a:r>
+          </a:p>
+          <a:p>
+            <a:r>
+              <a:rPr lang="en-IN" sz="2400" dirty="0">
+                <a:latin typeface="Times New Roman" panose="02020603050405020304" pitchFamily="18" charset="0"/>
+                <a:cs typeface="Times New Roman" panose="02020603050405020304" pitchFamily="18" charset="0"/>
+              </a:rPr>
+              <a:t>This app is compatible with all devices like Desktop, Tablet, Mobile, etc…</a:t>
+            </a:r>
+          </a:p>
+          <a:p>
+            <a:r>
+              <a:rPr lang="en-IN" sz="2400" dirty="0">
+                <a:latin typeface="Times New Roman" panose="02020603050405020304" pitchFamily="18" charset="0"/>
+                <a:cs typeface="Times New Roman" panose="02020603050405020304" pitchFamily="18" charset="0"/>
+              </a:rPr>
+              <a:t>In our app all movies are present including the latest movies .</a:t>
+            </a:r>
+          </a:p>
+          <a:p>
+            <a:pPr marL="0" indent="0">
+              <a:buNone/>
+            </a:pPr>
+            <a:endParaRPr lang="en-IN" sz="2400" dirty="0">
+              <a:latin typeface="Times New Roman" panose="02020603050405020304" pitchFamily="18" charset="0"/>
+              <a:cs typeface="Times New Roman" panose="02020603050405020304" pitchFamily="18" charset="0"/>
+            </a:endParaRPr>
+          </a:p>
+          <a:p>
+            <a:endParaRPr lang="en-IN" sz="2400" dirty="0">
+              <a:latin typeface="Times New Roman" panose="02020603050405020304" pitchFamily="18" charset="0"/>
+              <a:cs typeface="Times New Roman" panose="02020603050405020304" pitchFamily="18" charset="0"/>
+            </a:endParaRPr>
+          </a:p>
+          <a:p>
+            <a:endParaRPr lang="en-IN" sz="2400" dirty="0">
+              <a:latin typeface="Times New Roman" panose="02020603050405020304" pitchFamily="18" charset="0"/>
+              <a:cs typeface="Times New Roman" panose="02020603050405020304" pitchFamily="18" charset="0"/>
+            </a:endParaRPr>
+          </a:p>
+          <a:p>
+            <a:endParaRPr lang="en-IN" dirty="0"/>
+          </a:p>
+          <a:p>
+            <a:endParaRPr lang="en-IN" dirty="0"/>
+          </a:p>
+        </p:txBody>
+      </p:sp>
+    </p:spTree>
+    <p:extLst>
+      <p:ext uri="{BB962C8B-B14F-4D97-AF65-F5344CB8AC3E}">
+        <p14:creationId xmlns:p14="http://schemas.microsoft.com/office/powerpoint/2010/main" val="629563462"/>
+      </p:ext>
+    </p:extLst>
+  </p:cSld>
+  <p:clrMapOvr>
+    <a:masterClrMapping/>
+  </p:clrMapOvr>
+</p:sld>
+</file>
+
+<file path=ppt/slides/slide3.xml><?xml version="1.0" encoding="utf-8"?>
+<p:sld xmlns:a="http://schemas.openxmlformats.org/drawingml/2006/main" xmlns:r="http://schemas.openxmlformats.org/officeDocument/2006/relationships" xmlns:p="http://schemas.openxmlformats.org/presentationml/2006/main">
+  <p:cSld>
+    <p:spTree>
+      <p:nvGrpSpPr>
+        <p:cNvPr id="1" name=""/>
+        <p:cNvGrpSpPr/>
+        <p:nvPr/>
+      </p:nvGrpSpPr>
+      <p:grpSpPr>
+        <a:xfrm>
+          <a:off x="0" y="0"/>
+          <a:ext cx="0" cy="0"/>
+          <a:chOff x="0" y="0"/>
+          <a:chExt cx="0" cy="0"/>
+        </a:xfrm>
+      </p:grpSpPr>
+      <p:sp>
+        <p:nvSpPr>
+          <p:cNvPr id="2" name="Title 1">
+            <a:extLst>
+              <a:ext uri="{FF2B5EF4-FFF2-40B4-BE49-F238E27FC236}">
+                <a16:creationId xmlns:a16="http://schemas.microsoft.com/office/drawing/2014/main" id="{14459B91-ADF6-783B-6BE2-B16F2B723438}"/>
+              </a:ext>
+            </a:extLst>
+          </p:cNvPr>
+          <p:cNvSpPr>
+            <a:spLocks noGrp="1"/>
+          </p:cNvSpPr>
+          <p:nvPr>
+            <p:ph type="title"/>
+          </p:nvPr>
+        </p:nvSpPr>
+        <p:spPr/>
+        <p:txBody>
+          <a:bodyPr>
+            <a:normAutofit/>
+          </a:bodyPr>
+          <a:lstStyle/>
+          <a:p>
+            <a:r>
+              <a:rPr lang="en-US" sz="4000" cap="none" dirty="0">
+                <a:ln w="0"/>
+                <a:gradFill>
+                  <a:gsLst>
+                    <a:gs pos="0">
+                      <a:schemeClr val="accent5">
+                        <a:lumMod val="50000"/>
+                      </a:schemeClr>
+                    </a:gs>
+                    <a:gs pos="50000">
+                      <a:schemeClr val="accent5"/>
+                    </a:gs>
+                    <a:gs pos="100000">
+                      <a:schemeClr val="accent5">
+                        <a:lumMod val="60000"/>
+                        <a:lumOff val="40000"/>
+                      </a:schemeClr>
+                    </a:gs>
+                  </a:gsLst>
+                  <a:lin ang="5400000"/>
+                </a:gradFill>
+                <a:effectLst>
+                  <a:reflection blurRad="6350" stA="53000" endA="300" endPos="35500" dir="5400000" sy="-90000" algn="bl" rotWithShape="0"/>
+                </a:effectLst>
+                <a:latin typeface="Times New Roman" panose="02020603050405020304" pitchFamily="18" charset="0"/>
+                <a:cs typeface="Times New Roman" panose="02020603050405020304" pitchFamily="18" charset="0"/>
+              </a:rPr>
+              <a:t>Features of the App</a:t>
+            </a:r>
+            <a:endParaRPr lang="en-IN" sz="4000" dirty="0"/>
+          </a:p>
+        </p:txBody>
+      </p:sp>
+      <p:sp>
+        <p:nvSpPr>
+          <p:cNvPr id="3" name="Content Placeholder 2">
+            <a:extLst>
+              <a:ext uri="{FF2B5EF4-FFF2-40B4-BE49-F238E27FC236}">
+                <a16:creationId xmlns:a16="http://schemas.microsoft.com/office/drawing/2014/main" id="{C7ACB1DF-C6F4-4A6D-A722-5B1920D79C47}"/>
+              </a:ext>
+            </a:extLst>
+          </p:cNvPr>
+          <p:cNvSpPr>
+            <a:spLocks noGrp="1"/>
+          </p:cNvSpPr>
+          <p:nvPr>
+            <p:ph idx="1"/>
+          </p:nvPr>
+        </p:nvSpPr>
+        <p:spPr/>
+        <p:txBody>
+          <a:bodyPr>
+            <a:normAutofit/>
+          </a:bodyPr>
+          <a:lstStyle/>
+          <a:p>
+            <a:r>
+              <a:rPr lang="en-IN" sz="2400" dirty="0">
+                <a:latin typeface="Times New Roman" panose="02020603050405020304" pitchFamily="18" charset="0"/>
+                <a:cs typeface="Times New Roman" panose="02020603050405020304" pitchFamily="18" charset="0"/>
+              </a:rPr>
+              <a:t>See the movie info.</a:t>
+            </a:r>
+          </a:p>
+          <a:p>
+            <a:r>
+              <a:rPr lang="en-IN" sz="2400" dirty="0">
+                <a:latin typeface="Times New Roman" panose="02020603050405020304" pitchFamily="18" charset="0"/>
+                <a:cs typeface="Times New Roman" panose="02020603050405020304" pitchFamily="18" charset="0"/>
+              </a:rPr>
+              <a:t>Search Any Movie.</a:t>
+            </a:r>
+          </a:p>
+          <a:p>
+            <a:r>
+              <a:rPr lang="en-IN" sz="2400" dirty="0">
+                <a:latin typeface="Times New Roman" panose="02020603050405020304" pitchFamily="18" charset="0"/>
+                <a:cs typeface="Times New Roman" panose="02020603050405020304" pitchFamily="18" charset="0"/>
+              </a:rPr>
+              <a:t>Add to Favourites.</a:t>
+            </a:r>
+          </a:p>
+          <a:p>
+            <a:r>
+              <a:rPr lang="en-IN" sz="2400" dirty="0">
+                <a:latin typeface="Times New Roman" panose="02020603050405020304" pitchFamily="18" charset="0"/>
+                <a:cs typeface="Times New Roman" panose="02020603050405020304" pitchFamily="18" charset="0"/>
+              </a:rPr>
+              <a:t>Delete from Favourites.</a:t>
+            </a:r>
+          </a:p>
+          <a:p>
+            <a:r>
+              <a:rPr lang="en-IN" sz="2400" dirty="0">
+                <a:latin typeface="Times New Roman" panose="02020603050405020304" pitchFamily="18" charset="0"/>
+                <a:cs typeface="Times New Roman" panose="02020603050405020304" pitchFamily="18" charset="0"/>
+              </a:rPr>
+              <a:t>Recommended movies related to particular movie. </a:t>
+            </a:r>
+          </a:p>
+        </p:txBody>
+      </p:sp>
+    </p:spTree>
+    <p:extLst>
+      <p:ext uri="{BB962C8B-B14F-4D97-AF65-F5344CB8AC3E}">
+        <p14:creationId xmlns:p14="http://schemas.microsoft.com/office/powerpoint/2010/main" val="1684440525"/>
+      </p:ext>
+    </p:extLst>
+  </p:cSld>
+  <p:clrMapOvr>
+    <a:masterClrMapping/>
+  </p:clrMapOvr>
+</p:sld>
+</file>
+
+<file path=ppt/slides/slide4.xml><?xml version="1.0" encoding="utf-8"?>
+<p:sld xmlns:a="http://schemas.openxmlformats.org/drawingml/2006/main" xmlns:r="http://schemas.openxmlformats.org/officeDocument/2006/relationships" xmlns:p="http://schemas.openxmlformats.org/presentationml/2006/main">
+  <p:cSld>
+    <p:spTree>
+      <p:nvGrpSpPr>
+        <p:cNvPr id="1" name=""/>
+        <p:cNvGrpSpPr/>
+        <p:nvPr/>
+      </p:nvGrpSpPr>
+      <p:grpSpPr>
+        <a:xfrm>
+          <a:off x="0" y="0"/>
+          <a:ext cx="0" cy="0"/>
+          <a:chOff x="0" y="0"/>
+          <a:chExt cx="0" cy="0"/>
+        </a:xfrm>
+      </p:grpSpPr>
+      <p:sp>
+        <p:nvSpPr>
+          <p:cNvPr id="2" name="Title 1">
+            <a:extLst>
+              <a:ext uri="{FF2B5EF4-FFF2-40B4-BE49-F238E27FC236}">
+                <a16:creationId xmlns:a16="http://schemas.microsoft.com/office/drawing/2014/main" id="{C097676A-B404-45A9-8CB5-E276955FAB9A}"/>
+              </a:ext>
+            </a:extLst>
+          </p:cNvPr>
+          <p:cNvSpPr>
+            <a:spLocks noGrp="1"/>
+          </p:cNvSpPr>
+          <p:nvPr>
+            <p:ph type="title"/>
+          </p:nvPr>
+        </p:nvSpPr>
+        <p:spPr>
+          <a:xfrm>
+            <a:off x="1451579" y="804518"/>
+            <a:ext cx="9603275" cy="1116000"/>
+          </a:xfrm>
+        </p:spPr>
+        <p:txBody>
+          <a:bodyPr>
+            <a:normAutofit/>
+          </a:bodyPr>
+          <a:lstStyle/>
+          <a:p>
+            <a:r>
+              <a:rPr lang="en-US" sz="4000" cap="none" dirty="0">
+                <a:ln w="0"/>
+                <a:gradFill>
+                  <a:gsLst>
+                    <a:gs pos="0">
+                      <a:schemeClr val="accent5">
+                        <a:lumMod val="50000"/>
+                      </a:schemeClr>
+                    </a:gs>
+                    <a:gs pos="50000">
+                      <a:schemeClr val="accent5"/>
+                    </a:gs>
+                    <a:gs pos="100000">
+                      <a:schemeClr val="accent5">
+                        <a:lumMod val="60000"/>
+                        <a:lumOff val="40000"/>
+                      </a:schemeClr>
+                    </a:gs>
+                  </a:gsLst>
+                  <a:lin ang="5400000"/>
+                </a:gradFill>
+                <a:effectLst>
+                  <a:reflection blurRad="6350" stA="53000" endA="300" endPos="35500" dir="5400000" sy="-90000" algn="bl" rotWithShape="0"/>
+                </a:effectLst>
+                <a:latin typeface="Times New Roman" panose="02020603050405020304" pitchFamily="18" charset="0"/>
+                <a:cs typeface="Times New Roman" panose="02020603050405020304" pitchFamily="18" charset="0"/>
+              </a:rPr>
+              <a:t>Tools &amp; Technologies</a:t>
+            </a:r>
+            <a:endParaRPr lang="en-IN" sz="4000" cap="none" dirty="0">
+              <a:ln w="0"/>
+              <a:gradFill>
+                <a:gsLst>
+                  <a:gs pos="0">
+                    <a:schemeClr val="accent5">
+                      <a:lumMod val="50000"/>
+                    </a:schemeClr>
+                  </a:gs>
+                  <a:gs pos="50000">
+                    <a:schemeClr val="accent5"/>
+                  </a:gs>
+                  <a:gs pos="100000">
+                    <a:schemeClr val="accent5">
+                      <a:lumMod val="60000"/>
+                      <a:lumOff val="40000"/>
+                    </a:schemeClr>
+                  </a:gs>
+                </a:gsLst>
+                <a:lin ang="5400000"/>
+              </a:gradFill>
+              <a:effectLst>
+                <a:reflection blurRad="6350" stA="53000" endA="300" endPos="35500" dir="5400000" sy="-90000" algn="bl" rotWithShape="0"/>
+              </a:effectLst>
+              <a:latin typeface="Times New Roman" panose="02020603050405020304" pitchFamily="18" charset="0"/>
+              <a:cs typeface="Times New Roman" panose="02020603050405020304" pitchFamily="18" charset="0"/>
+            </a:endParaRPr>
+          </a:p>
+        </p:txBody>
+      </p:sp>
+      <p:sp>
+        <p:nvSpPr>
           <p:cNvPr id="3" name="Content Placeholder 2">
             <a:extLst>
               <a:ext uri="{FF2B5EF4-FFF2-40B4-BE49-F238E27FC236}">
@@ -4542,7 +5364,7 @@
         <p:spPr>
           <a:xfrm>
             <a:off x="1451579" y="2015732"/>
-            <a:ext cx="2524073" cy="3530303"/>
+            <a:ext cx="2889602" cy="4037750"/>
           </a:xfrm>
         </p:spPr>
         <p:txBody>
@@ -4555,7 +5377,7 @@
               <a:buNone/>
             </a:pPr>
             <a:r>
-              <a:rPr lang="en-US" b="1" dirty="0">
+              <a:rPr lang="en-US" sz="2800" b="1" dirty="0">
                 <a:latin typeface="Times New Roman" panose="02020603050405020304" pitchFamily="18" charset="0"/>
                 <a:cs typeface="Times New Roman" panose="02020603050405020304" pitchFamily="18" charset="0"/>
               </a:rPr>
@@ -4565,17 +5387,17 @@
           <a:p>
             <a:pPr lvl="1"/>
             <a:r>
-              <a:rPr lang="en-US" dirty="0">
-                <a:latin typeface="Times New Roman" panose="02020603050405020304" pitchFamily="18" charset="0"/>
-                <a:cs typeface="Times New Roman" panose="02020603050405020304" pitchFamily="18" charset="0"/>
-              </a:rPr>
-              <a:t>Spring boot</a:t>
+              <a:rPr lang="en-US" sz="2400" dirty="0">
+                <a:latin typeface="Times New Roman" panose="02020603050405020304" pitchFamily="18" charset="0"/>
+                <a:cs typeface="Times New Roman" panose="02020603050405020304" pitchFamily="18" charset="0"/>
+              </a:rPr>
+              <a:t>Spring Boot</a:t>
             </a:r>
           </a:p>
           <a:p>
             <a:pPr lvl="1"/>
             <a:r>
-              <a:rPr lang="en-US" dirty="0">
+              <a:rPr lang="en-US" sz="2400" dirty="0">
                 <a:latin typeface="Times New Roman" panose="02020603050405020304" pitchFamily="18" charset="0"/>
                 <a:cs typeface="Times New Roman" panose="02020603050405020304" pitchFamily="18" charset="0"/>
               </a:rPr>
@@ -4585,7 +5407,7 @@
           <a:p>
             <a:pPr lvl="1"/>
             <a:r>
-              <a:rPr lang="en-US" dirty="0">
+              <a:rPr lang="en-US" sz="2400" dirty="0">
                 <a:latin typeface="Times New Roman" panose="02020603050405020304" pitchFamily="18" charset="0"/>
                 <a:cs typeface="Times New Roman" panose="02020603050405020304" pitchFamily="18" charset="0"/>
               </a:rPr>
@@ -4595,7 +5417,7 @@
           <a:p>
             <a:pPr lvl="1"/>
             <a:r>
-              <a:rPr lang="en-US" dirty="0">
+              <a:rPr lang="en-US" sz="2400" dirty="0">
                 <a:latin typeface="Times New Roman" panose="02020603050405020304" pitchFamily="18" charset="0"/>
                 <a:cs typeface="Times New Roman" panose="02020603050405020304" pitchFamily="18" charset="0"/>
               </a:rPr>
@@ -4605,7 +5427,7 @@
           <a:p>
             <a:pPr lvl="1"/>
             <a:r>
-              <a:rPr lang="en-US" dirty="0">
+              <a:rPr lang="en-US" sz="2400" dirty="0">
                 <a:latin typeface="Times New Roman" panose="02020603050405020304" pitchFamily="18" charset="0"/>
                 <a:cs typeface="Times New Roman" panose="02020603050405020304" pitchFamily="18" charset="0"/>
               </a:rPr>
@@ -4615,13 +5437,13 @@
           <a:p>
             <a:pPr lvl="1"/>
             <a:r>
-              <a:rPr lang="en-US" dirty="0">
+              <a:rPr lang="en-US" sz="2400" dirty="0">
                 <a:latin typeface="Times New Roman" panose="02020603050405020304" pitchFamily="18" charset="0"/>
                 <a:cs typeface="Times New Roman" panose="02020603050405020304" pitchFamily="18" charset="0"/>
               </a:rPr>
               <a:t>Docker</a:t>
             </a:r>
-            <a:endParaRPr lang="en-IN" dirty="0">
+            <a:endParaRPr lang="en-IN" sz="2400" dirty="0">
               <a:latin typeface="Times New Roman" panose="02020603050405020304" pitchFamily="18" charset="0"/>
               <a:cs typeface="Times New Roman" panose="02020603050405020304" pitchFamily="18" charset="0"/>
             </a:endParaRPr>
@@ -4870,7 +5692,7 @@
               <a:buNone/>
             </a:pPr>
             <a:r>
-              <a:rPr lang="en-US" b="1" dirty="0">
+              <a:rPr lang="en-US" sz="2800" b="1" dirty="0">
                 <a:latin typeface="Times New Roman" panose="02020603050405020304" pitchFamily="18" charset="0"/>
                 <a:cs typeface="Times New Roman" panose="02020603050405020304" pitchFamily="18" charset="0"/>
               </a:rPr>
@@ -4880,7 +5702,7 @@
           <a:p>
             <a:pPr lvl="1"/>
             <a:r>
-              <a:rPr lang="en-US" dirty="0">
+              <a:rPr lang="en-US" sz="2400" dirty="0">
                 <a:latin typeface="Times New Roman" panose="02020603050405020304" pitchFamily="18" charset="0"/>
                 <a:cs typeface="Times New Roman" panose="02020603050405020304" pitchFamily="18" charset="0"/>
               </a:rPr>
@@ -4899,7 +5721,7 @@
               <a:buNone/>
             </a:pPr>
             <a:r>
-              <a:rPr lang="en-US" b="1" dirty="0">
+              <a:rPr lang="en-US" sz="2800" b="1" dirty="0">
                 <a:latin typeface="Times New Roman" panose="02020603050405020304" pitchFamily="18" charset="0"/>
                 <a:cs typeface="Times New Roman" panose="02020603050405020304" pitchFamily="18" charset="0"/>
               </a:rPr>
@@ -4909,7 +5731,7 @@
           <a:p>
             <a:pPr lvl="1"/>
             <a:r>
-              <a:rPr lang="en-US" dirty="0">
+              <a:rPr lang="en-US" sz="2400" dirty="0">
                 <a:latin typeface="Times New Roman" panose="02020603050405020304" pitchFamily="18" charset="0"/>
                 <a:cs typeface="Times New Roman" panose="02020603050405020304" pitchFamily="18" charset="0"/>
               </a:rPr>
@@ -4919,7 +5741,7 @@
           <a:p>
             <a:pPr lvl="1"/>
             <a:r>
-              <a:rPr lang="en-US" dirty="0">
+              <a:rPr lang="en-US" sz="2400" dirty="0">
                 <a:latin typeface="Times New Roman" panose="02020603050405020304" pitchFamily="18" charset="0"/>
                 <a:cs typeface="Times New Roman" panose="02020603050405020304" pitchFamily="18" charset="0"/>
               </a:rPr>
@@ -4944,6 +5766,382 @@
     <p:extLst>
       <p:ext uri="{BB962C8B-B14F-4D97-AF65-F5344CB8AC3E}">
         <p14:creationId xmlns:p14="http://schemas.microsoft.com/office/powerpoint/2010/main" val="756427135"/>
+      </p:ext>
+    </p:extLst>
+  </p:cSld>
+  <p:clrMapOvr>
+    <a:masterClrMapping/>
+  </p:clrMapOvr>
+</p:sld>
+</file>
+
+<file path=ppt/slides/slide5.xml><?xml version="1.0" encoding="utf-8"?>
+<p:sld xmlns:a="http://schemas.openxmlformats.org/drawingml/2006/main" xmlns:r="http://schemas.openxmlformats.org/officeDocument/2006/relationships" xmlns:p="http://schemas.openxmlformats.org/presentationml/2006/main">
+  <p:cSld>
+    <p:spTree>
+      <p:nvGrpSpPr>
+        <p:cNvPr id="1" name=""/>
+        <p:cNvGrpSpPr/>
+        <p:nvPr/>
+      </p:nvGrpSpPr>
+      <p:grpSpPr>
+        <a:xfrm>
+          <a:off x="0" y="0"/>
+          <a:ext cx="0" cy="0"/>
+          <a:chOff x="0" y="0"/>
+          <a:chExt cx="0" cy="0"/>
+        </a:xfrm>
+      </p:grpSpPr>
+      <p:sp>
+        <p:nvSpPr>
+          <p:cNvPr id="2" name="Title 1">
+            <a:extLst>
+              <a:ext uri="{FF2B5EF4-FFF2-40B4-BE49-F238E27FC236}">
+                <a16:creationId xmlns:a16="http://schemas.microsoft.com/office/drawing/2014/main" id="{39536B97-8253-42BB-8693-8CDD32BA373E}"/>
+              </a:ext>
+            </a:extLst>
+          </p:cNvPr>
+          <p:cNvSpPr>
+            <a:spLocks noGrp="1"/>
+          </p:cNvSpPr>
+          <p:nvPr>
+            <p:ph type="title"/>
+          </p:nvPr>
+        </p:nvSpPr>
+        <p:spPr/>
+        <p:txBody>
+          <a:bodyPr>
+            <a:noAutofit/>
+          </a:bodyPr>
+          <a:lstStyle/>
+          <a:p>
+            <a:r>
+              <a:rPr lang="en-US" sz="4000" cap="none" dirty="0">
+                <a:ln w="0"/>
+                <a:gradFill>
+                  <a:gsLst>
+                    <a:gs pos="0">
+                      <a:schemeClr val="accent5">
+                        <a:lumMod val="50000"/>
+                      </a:schemeClr>
+                    </a:gs>
+                    <a:gs pos="50000">
+                      <a:schemeClr val="accent5"/>
+                    </a:gs>
+                    <a:gs pos="100000">
+                      <a:schemeClr val="accent5">
+                        <a:lumMod val="60000"/>
+                        <a:lumOff val="40000"/>
+                      </a:schemeClr>
+                    </a:gs>
+                  </a:gsLst>
+                  <a:lin ang="5400000"/>
+                </a:gradFill>
+                <a:effectLst>
+                  <a:reflection blurRad="6350" stA="53000" endA="300" endPos="35500" dir="5400000" sy="-90000" algn="bl" rotWithShape="0"/>
+                </a:effectLst>
+                <a:latin typeface="Times New Roman" panose="02020603050405020304" pitchFamily="18" charset="0"/>
+                <a:cs typeface="Times New Roman" panose="02020603050405020304" pitchFamily="18" charset="0"/>
+              </a:rPr>
+              <a:t>Spring Boot</a:t>
+            </a:r>
+            <a:br>
+              <a:rPr lang="en-US" sz="4000" cap="none" dirty="0">
+                <a:ln w="0"/>
+                <a:gradFill>
+                  <a:gsLst>
+                    <a:gs pos="0">
+                      <a:schemeClr val="accent5">
+                        <a:lumMod val="50000"/>
+                      </a:schemeClr>
+                    </a:gs>
+                    <a:gs pos="50000">
+                      <a:schemeClr val="accent5"/>
+                    </a:gs>
+                    <a:gs pos="100000">
+                      <a:schemeClr val="accent5">
+                        <a:lumMod val="60000"/>
+                        <a:lumOff val="40000"/>
+                      </a:schemeClr>
+                    </a:gs>
+                  </a:gsLst>
+                  <a:lin ang="5400000"/>
+                </a:gradFill>
+                <a:effectLst>
+                  <a:reflection blurRad="6350" stA="53000" endA="300" endPos="35500" dir="5400000" sy="-90000" algn="bl" rotWithShape="0"/>
+                </a:effectLst>
+                <a:latin typeface="Times New Roman" panose="02020603050405020304" pitchFamily="18" charset="0"/>
+                <a:cs typeface="Times New Roman" panose="02020603050405020304" pitchFamily="18" charset="0"/>
+              </a:rPr>
+            </a:br>
+            <a:endParaRPr lang="en-IN" sz="4000" cap="none" dirty="0">
+              <a:ln w="0"/>
+              <a:gradFill>
+                <a:gsLst>
+                  <a:gs pos="0">
+                    <a:schemeClr val="accent5">
+                      <a:lumMod val="50000"/>
+                    </a:schemeClr>
+                  </a:gs>
+                  <a:gs pos="50000">
+                    <a:schemeClr val="accent5"/>
+                  </a:gs>
+                  <a:gs pos="100000">
+                    <a:schemeClr val="accent5">
+                      <a:lumMod val="60000"/>
+                      <a:lumOff val="40000"/>
+                    </a:schemeClr>
+                  </a:gs>
+                </a:gsLst>
+                <a:lin ang="5400000"/>
+              </a:gradFill>
+              <a:effectLst>
+                <a:reflection blurRad="6350" stA="53000" endA="300" endPos="35500" dir="5400000" sy="-90000" algn="bl" rotWithShape="0"/>
+              </a:effectLst>
+              <a:latin typeface="Times New Roman" panose="02020603050405020304" pitchFamily="18" charset="0"/>
+              <a:cs typeface="Times New Roman" panose="02020603050405020304" pitchFamily="18" charset="0"/>
+            </a:endParaRPr>
+          </a:p>
+        </p:txBody>
+      </p:sp>
+      <p:sp>
+        <p:nvSpPr>
+          <p:cNvPr id="3" name="Content Placeholder 2">
+            <a:extLst>
+              <a:ext uri="{FF2B5EF4-FFF2-40B4-BE49-F238E27FC236}">
+                <a16:creationId xmlns:a16="http://schemas.microsoft.com/office/drawing/2014/main" id="{8F6ED149-EC9F-4BF1-B307-20E98ACA8DD3}"/>
+              </a:ext>
+            </a:extLst>
+          </p:cNvPr>
+          <p:cNvSpPr>
+            <a:spLocks noGrp="1"/>
+          </p:cNvSpPr>
+          <p:nvPr>
+            <p:ph idx="1"/>
+          </p:nvPr>
+        </p:nvSpPr>
+        <p:spPr/>
+        <p:txBody>
+          <a:bodyPr>
+            <a:normAutofit/>
+          </a:bodyPr>
+          <a:lstStyle/>
+          <a:p>
+            <a:r>
+              <a:rPr lang="en-US" sz="2400" b="0" i="0" dirty="0">
+                <a:solidFill>
+                  <a:srgbClr val="000000"/>
+                </a:solidFill>
+                <a:effectLst/>
+                <a:latin typeface="Times New Roman" panose="02020603050405020304" pitchFamily="18" charset="0"/>
+                <a:cs typeface="Times New Roman" panose="02020603050405020304" pitchFamily="18" charset="0"/>
+              </a:rPr>
+              <a:t>Spring Boot is an open source Java-based framework used to create a micro Service.</a:t>
+            </a:r>
+          </a:p>
+          <a:p>
+            <a:r>
+              <a:rPr lang="en-US" sz="2400" b="0" i="0" dirty="0">
+                <a:solidFill>
+                  <a:srgbClr val="000000"/>
+                </a:solidFill>
+                <a:effectLst/>
+                <a:latin typeface="Times New Roman" panose="02020603050405020304" pitchFamily="18" charset="0"/>
+                <a:cs typeface="Times New Roman" panose="02020603050405020304" pitchFamily="18" charset="0"/>
+              </a:rPr>
+              <a:t> It is developed by Pivotal Team and is used to build stand-alone and production ready spring applications. </a:t>
+            </a:r>
+            <a:endParaRPr lang="en-IN" sz="2400" dirty="0">
+              <a:latin typeface="Times New Roman" panose="02020603050405020304" pitchFamily="18" charset="0"/>
+              <a:cs typeface="Times New Roman" panose="02020603050405020304" pitchFamily="18" charset="0"/>
+            </a:endParaRPr>
+          </a:p>
+        </p:txBody>
+      </p:sp>
+    </p:spTree>
+    <p:extLst>
+      <p:ext uri="{BB962C8B-B14F-4D97-AF65-F5344CB8AC3E}">
+        <p14:creationId xmlns:p14="http://schemas.microsoft.com/office/powerpoint/2010/main" val="406962807"/>
+      </p:ext>
+    </p:extLst>
+  </p:cSld>
+  <p:clrMapOvr>
+    <a:masterClrMapping/>
+  </p:clrMapOvr>
+</p:sld>
+</file>
+
+<file path=ppt/slides/slide6.xml><?xml version="1.0" encoding="utf-8"?>
+<p:sld xmlns:a="http://schemas.openxmlformats.org/drawingml/2006/main" xmlns:r="http://schemas.openxmlformats.org/officeDocument/2006/relationships" xmlns:p="http://schemas.openxmlformats.org/presentationml/2006/main">
+  <p:cSld>
+    <p:spTree>
+      <p:nvGrpSpPr>
+        <p:cNvPr id="1" name=""/>
+        <p:cNvGrpSpPr/>
+        <p:nvPr/>
+      </p:nvGrpSpPr>
+      <p:grpSpPr>
+        <a:xfrm>
+          <a:off x="0" y="0"/>
+          <a:ext cx="0" cy="0"/>
+          <a:chOff x="0" y="0"/>
+          <a:chExt cx="0" cy="0"/>
+        </a:xfrm>
+      </p:grpSpPr>
+      <p:sp>
+        <p:nvSpPr>
+          <p:cNvPr id="2" name="Title 1">
+            <a:extLst>
+              <a:ext uri="{FF2B5EF4-FFF2-40B4-BE49-F238E27FC236}">
+                <a16:creationId xmlns:a16="http://schemas.microsoft.com/office/drawing/2014/main" id="{7CBCE40E-2C9B-4FB1-99DE-37E0210A83F0}"/>
+              </a:ext>
+            </a:extLst>
+          </p:cNvPr>
+          <p:cNvSpPr>
+            <a:spLocks noGrp="1"/>
+          </p:cNvSpPr>
+          <p:nvPr>
+            <p:ph type="title"/>
+          </p:nvPr>
+        </p:nvSpPr>
+        <p:spPr/>
+        <p:txBody>
+          <a:bodyPr>
+            <a:normAutofit/>
+          </a:bodyPr>
+          <a:lstStyle/>
+          <a:p>
+            <a:r>
+              <a:rPr lang="en-US" sz="4000" cap="none" dirty="0">
+                <a:ln w="0"/>
+                <a:gradFill>
+                  <a:gsLst>
+                    <a:gs pos="0">
+                      <a:schemeClr val="accent5">
+                        <a:lumMod val="50000"/>
+                      </a:schemeClr>
+                    </a:gs>
+                    <a:gs pos="50000">
+                      <a:schemeClr val="accent5"/>
+                    </a:gs>
+                    <a:gs pos="100000">
+                      <a:schemeClr val="accent5">
+                        <a:lumMod val="60000"/>
+                        <a:lumOff val="40000"/>
+                      </a:schemeClr>
+                    </a:gs>
+                  </a:gsLst>
+                  <a:lin ang="5400000"/>
+                </a:gradFill>
+                <a:effectLst>
+                  <a:reflection blurRad="6350" stA="53000" endA="300" endPos="35500" dir="5400000" sy="-90000" algn="bl" rotWithShape="0"/>
+                </a:effectLst>
+                <a:latin typeface="Times New Roman" panose="02020603050405020304" pitchFamily="18" charset="0"/>
+                <a:cs typeface="Times New Roman" panose="02020603050405020304" pitchFamily="18" charset="0"/>
+              </a:rPr>
+              <a:t>Eureka Server</a:t>
+            </a:r>
+            <a:endParaRPr lang="en-IN" sz="4000" cap="none" dirty="0">
+              <a:ln w="0"/>
+              <a:gradFill>
+                <a:gsLst>
+                  <a:gs pos="0">
+                    <a:schemeClr val="accent5">
+                      <a:lumMod val="50000"/>
+                    </a:schemeClr>
+                  </a:gs>
+                  <a:gs pos="50000">
+                    <a:schemeClr val="accent5"/>
+                  </a:gs>
+                  <a:gs pos="100000">
+                    <a:schemeClr val="accent5">
+                      <a:lumMod val="60000"/>
+                      <a:lumOff val="40000"/>
+                    </a:schemeClr>
+                  </a:gs>
+                </a:gsLst>
+                <a:lin ang="5400000"/>
+              </a:gradFill>
+              <a:effectLst>
+                <a:reflection blurRad="6350" stA="53000" endA="300" endPos="35500" dir="5400000" sy="-90000" algn="bl" rotWithShape="0"/>
+              </a:effectLst>
+              <a:latin typeface="Times New Roman" panose="02020603050405020304" pitchFamily="18" charset="0"/>
+              <a:cs typeface="Times New Roman" panose="02020603050405020304" pitchFamily="18" charset="0"/>
+            </a:endParaRPr>
+          </a:p>
+        </p:txBody>
+      </p:sp>
+      <p:sp>
+        <p:nvSpPr>
+          <p:cNvPr id="3" name="Content Placeholder 2">
+            <a:extLst>
+              <a:ext uri="{FF2B5EF4-FFF2-40B4-BE49-F238E27FC236}">
+                <a16:creationId xmlns:a16="http://schemas.microsoft.com/office/drawing/2014/main" id="{9D74735F-39B3-47E4-8161-E141D8C6DDB4}"/>
+              </a:ext>
+            </a:extLst>
+          </p:cNvPr>
+          <p:cNvSpPr>
+            <a:spLocks noGrp="1"/>
+          </p:cNvSpPr>
+          <p:nvPr>
+            <p:ph idx="1"/>
+          </p:nvPr>
+        </p:nvSpPr>
+        <p:spPr/>
+        <p:txBody>
+          <a:bodyPr>
+            <a:normAutofit/>
+          </a:bodyPr>
+          <a:lstStyle/>
+          <a:p>
+            <a:r>
+              <a:rPr lang="en-US" sz="2400" b="0" i="0" dirty="0">
+                <a:solidFill>
+                  <a:srgbClr val="000000"/>
+                </a:solidFill>
+                <a:effectLst/>
+                <a:latin typeface="Times New Roman" panose="02020603050405020304" pitchFamily="18" charset="0"/>
+                <a:cs typeface="Times New Roman" panose="02020603050405020304" pitchFamily="18" charset="0"/>
+              </a:rPr>
+              <a:t>Eureka Server is an application that holds the information about all client-service applications. </a:t>
+            </a:r>
+          </a:p>
+          <a:p>
+            <a:r>
+              <a:rPr lang="en-US" sz="2400" b="0" i="0" dirty="0">
+                <a:solidFill>
+                  <a:srgbClr val="000000"/>
+                </a:solidFill>
+                <a:effectLst/>
+                <a:latin typeface="Times New Roman" panose="02020603050405020304" pitchFamily="18" charset="0"/>
+                <a:cs typeface="Times New Roman" panose="02020603050405020304" pitchFamily="18" charset="0"/>
+              </a:rPr>
+              <a:t>Every Micro service will register into the Eureka server and Eureka server knows all the client applications running on each port and IP address. </a:t>
+            </a:r>
+          </a:p>
+          <a:p>
+            <a:r>
+              <a:rPr lang="en-US" sz="2400" b="0" i="0" dirty="0">
+                <a:solidFill>
+                  <a:srgbClr val="000000"/>
+                </a:solidFill>
+                <a:effectLst/>
+                <a:latin typeface="Times New Roman" panose="02020603050405020304" pitchFamily="18" charset="0"/>
+                <a:cs typeface="Times New Roman" panose="02020603050405020304" pitchFamily="18" charset="0"/>
+              </a:rPr>
+              <a:t>Eureka Server is also known as Discovery Server.</a:t>
+            </a:r>
+            <a:endParaRPr lang="en-IN" sz="2400" dirty="0">
+              <a:latin typeface="Times New Roman" panose="02020603050405020304" pitchFamily="18" charset="0"/>
+              <a:cs typeface="Times New Roman" panose="02020603050405020304" pitchFamily="18" charset="0"/>
+            </a:endParaRPr>
+          </a:p>
+        </p:txBody>
+      </p:sp>
+    </p:spTree>
+    <p:extLst>
+      <p:ext uri="{BB962C8B-B14F-4D97-AF65-F5344CB8AC3E}">
+        <p14:creationId xmlns:p14="http://schemas.microsoft.com/office/powerpoint/2010/main" val="187259835"/>
       </p:ext>
     </p:extLst>
   </p:cSld>
@@ -4972,62 +6170,695 @@
       </p:grpSpPr>
       <p:sp>
         <p:nvSpPr>
-          <p:cNvPr id="5" name="Rectangle 4">
+          <p:cNvPr id="2" name="Title 1">
             <a:extLst>
               <a:ext uri="{FF2B5EF4-FFF2-40B4-BE49-F238E27FC236}">
-                <a16:creationId xmlns:a16="http://schemas.microsoft.com/office/drawing/2014/main" id="{8B5E87C5-4D34-498E-B021-2C1B2DBF5595}"/>
+                <a16:creationId xmlns:a16="http://schemas.microsoft.com/office/drawing/2014/main" id="{5953270E-023A-445F-B257-4B8F170B25D0}"/>
               </a:ext>
             </a:extLst>
           </p:cNvPr>
-          <p:cNvSpPr/>
-          <p:nvPr/>
+          <p:cNvSpPr>
+            <a:spLocks noGrp="1"/>
+          </p:cNvSpPr>
+          <p:nvPr>
+            <p:ph type="title"/>
+          </p:nvPr>
+        </p:nvSpPr>
+        <p:spPr/>
+        <p:txBody>
+          <a:bodyPr>
+            <a:noAutofit/>
+          </a:bodyPr>
+          <a:lstStyle/>
+          <a:p>
+            <a:r>
+              <a:rPr lang="en-US" sz="4000" cap="none" dirty="0">
+                <a:ln w="0"/>
+                <a:gradFill>
+                  <a:gsLst>
+                    <a:gs pos="0">
+                      <a:schemeClr val="accent5">
+                        <a:lumMod val="50000"/>
+                      </a:schemeClr>
+                    </a:gs>
+                    <a:gs pos="50000">
+                      <a:schemeClr val="accent5"/>
+                    </a:gs>
+                    <a:gs pos="100000">
+                      <a:schemeClr val="accent5">
+                        <a:lumMod val="60000"/>
+                        <a:lumOff val="40000"/>
+                      </a:schemeClr>
+                    </a:gs>
+                  </a:gsLst>
+                  <a:lin ang="5400000"/>
+                </a:gradFill>
+                <a:effectLst>
+                  <a:reflection blurRad="6350" stA="53000" endA="300" endPos="35500" dir="5400000" sy="-90000" algn="bl" rotWithShape="0"/>
+                </a:effectLst>
+                <a:latin typeface="Times New Roman" panose="02020603050405020304" pitchFamily="18" charset="0"/>
+                <a:cs typeface="Times New Roman" panose="02020603050405020304" pitchFamily="18" charset="0"/>
+              </a:rPr>
+              <a:t>Spring Cloud API Gateway</a:t>
+            </a:r>
+            <a:br>
+              <a:rPr lang="en-US" sz="4000" cap="none" dirty="0">
+                <a:ln w="0"/>
+                <a:gradFill>
+                  <a:gsLst>
+                    <a:gs pos="0">
+                      <a:schemeClr val="accent5">
+                        <a:lumMod val="50000"/>
+                      </a:schemeClr>
+                    </a:gs>
+                    <a:gs pos="50000">
+                      <a:schemeClr val="accent5"/>
+                    </a:gs>
+                    <a:gs pos="100000">
+                      <a:schemeClr val="accent5">
+                        <a:lumMod val="60000"/>
+                        <a:lumOff val="40000"/>
+                      </a:schemeClr>
+                    </a:gs>
+                  </a:gsLst>
+                  <a:lin ang="5400000"/>
+                </a:gradFill>
+                <a:effectLst>
+                  <a:reflection blurRad="6350" stA="53000" endA="300" endPos="35500" dir="5400000" sy="-90000" algn="bl" rotWithShape="0"/>
+                </a:effectLst>
+                <a:latin typeface="Times New Roman" panose="02020603050405020304" pitchFamily="18" charset="0"/>
+                <a:cs typeface="Times New Roman" panose="02020603050405020304" pitchFamily="18" charset="0"/>
+              </a:rPr>
+            </a:br>
+            <a:endParaRPr lang="en-IN" sz="4000" cap="none" dirty="0">
+              <a:ln w="0"/>
+              <a:gradFill>
+                <a:gsLst>
+                  <a:gs pos="0">
+                    <a:schemeClr val="accent5">
+                      <a:lumMod val="50000"/>
+                    </a:schemeClr>
+                  </a:gs>
+                  <a:gs pos="50000">
+                    <a:schemeClr val="accent5"/>
+                  </a:gs>
+                  <a:gs pos="100000">
+                    <a:schemeClr val="accent5">
+                      <a:lumMod val="60000"/>
+                      <a:lumOff val="40000"/>
+                    </a:schemeClr>
+                  </a:gs>
+                </a:gsLst>
+                <a:lin ang="5400000"/>
+              </a:gradFill>
+              <a:effectLst>
+                <a:reflection blurRad="6350" stA="53000" endA="300" endPos="35500" dir="5400000" sy="-90000" algn="bl" rotWithShape="0"/>
+              </a:effectLst>
+              <a:latin typeface="Times New Roman" panose="02020603050405020304" pitchFamily="18" charset="0"/>
+              <a:cs typeface="Times New Roman" panose="02020603050405020304" pitchFamily="18" charset="0"/>
+            </a:endParaRPr>
+          </a:p>
+        </p:txBody>
+      </p:sp>
+      <p:sp>
+        <p:nvSpPr>
+          <p:cNvPr id="3" name="Content Placeholder 2">
+            <a:extLst>
+              <a:ext uri="{FF2B5EF4-FFF2-40B4-BE49-F238E27FC236}">
+                <a16:creationId xmlns:a16="http://schemas.microsoft.com/office/drawing/2014/main" id="{3A48057E-78D2-4446-A01C-BBB1474AF0C8}"/>
+              </a:ext>
+            </a:extLst>
+          </p:cNvPr>
+          <p:cNvSpPr>
+            <a:spLocks noGrp="1"/>
+          </p:cNvSpPr>
+          <p:nvPr>
+            <p:ph idx="1"/>
+          </p:nvPr>
         </p:nvSpPr>
         <p:spPr>
-          <a:xfrm rot="19489692">
-            <a:off x="3675318" y="2828835"/>
-            <a:ext cx="4841364" cy="1200329"/>
+          <a:xfrm>
+            <a:off x="1046864" y="2113386"/>
+            <a:ext cx="10098271" cy="4376190"/>
           </a:xfrm>
-          <a:prstGeom prst="rect">
-            <a:avLst/>
-          </a:prstGeom>
-          <a:noFill/>
         </p:spPr>
         <p:txBody>
-          <a:bodyPr wrap="square" lIns="91440" tIns="45720" rIns="91440" bIns="45720">
-            <a:spAutoFit/>
-            <a:scene3d>
-              <a:camera prst="orthographicFront"/>
-              <a:lightRig rig="harsh" dir="t"/>
-            </a:scene3d>
-            <a:sp3d extrusionH="57150" prstMaterial="matte">
-              <a:bevelT w="63500" h="12700" prst="angle"/>
-              <a:contourClr>
-                <a:schemeClr val="bg1">
-                  <a:lumMod val="65000"/>
-                </a:schemeClr>
-              </a:contourClr>
-            </a:sp3d>
+          <a:bodyPr>
+            <a:noAutofit/>
           </a:bodyPr>
           <a:lstStyle/>
           <a:p>
-            <a:pPr algn="ctr"/>
-            <a:r>
-              <a:rPr lang="en-US" sz="7200" b="1" cap="none" spc="0" dirty="0">
-                <a:ln/>
+            <a:pPr algn="just"/>
+            <a:r>
+              <a:rPr lang="en-US" sz="2200" b="0" i="0" dirty="0">
                 <a:solidFill>
-                  <a:schemeClr val="accent3"/>
+                  <a:srgbClr val="333333"/>
                 </a:solidFill>
                 <a:effectLst/>
-              </a:rPr>
-              <a:t>Thank You</a:t>
-            </a:r>
+                <a:latin typeface="Times New Roman" panose="02020603050405020304" pitchFamily="18" charset="0"/>
+                <a:cs typeface="Times New Roman" panose="02020603050405020304" pitchFamily="18" charset="0"/>
+              </a:rPr>
+              <a:t>An API stands for Application Program Interface. It is a set of instructions, protocols, and tools for building software applications. It specifies how software components should interact.</a:t>
+            </a:r>
+          </a:p>
+          <a:p>
+            <a:pPr algn="just"/>
+            <a:r>
+              <a:rPr lang="en-US" sz="2200" b="0" i="0" dirty="0">
+                <a:solidFill>
+                  <a:srgbClr val="333333"/>
+                </a:solidFill>
+                <a:effectLst/>
+                <a:latin typeface="Times New Roman" panose="02020603050405020304" pitchFamily="18" charset="0"/>
+                <a:cs typeface="Times New Roman" panose="02020603050405020304" pitchFamily="18" charset="0"/>
+              </a:rPr>
+              <a:t>The API Gateway is a server. It is a single entry point into a system. </a:t>
+            </a:r>
+          </a:p>
+          <a:p>
+            <a:pPr algn="just"/>
+            <a:r>
+              <a:rPr lang="en-US" sz="2200" b="0" i="0" dirty="0">
+                <a:solidFill>
+                  <a:srgbClr val="333333"/>
+                </a:solidFill>
+                <a:effectLst/>
+                <a:latin typeface="Times New Roman" panose="02020603050405020304" pitchFamily="18" charset="0"/>
+                <a:cs typeface="Times New Roman" panose="02020603050405020304" pitchFamily="18" charset="0"/>
+              </a:rPr>
+              <a:t>API Gateway encapsulates the internal system architecture. </a:t>
+            </a:r>
+          </a:p>
+          <a:p>
+            <a:pPr algn="just"/>
+            <a:r>
+              <a:rPr lang="en-US" sz="2200" b="0" i="0" dirty="0">
+                <a:solidFill>
+                  <a:srgbClr val="333333"/>
+                </a:solidFill>
+                <a:effectLst/>
+                <a:latin typeface="Times New Roman" panose="02020603050405020304" pitchFamily="18" charset="0"/>
+                <a:cs typeface="Times New Roman" panose="02020603050405020304" pitchFamily="18" charset="0"/>
+              </a:rPr>
+              <a:t>API Gateway allows us to route API request (external or internal) to connect services. </a:t>
+            </a:r>
+          </a:p>
+          <a:p>
+            <a:pPr algn="just"/>
+            <a:r>
+              <a:rPr lang="en-US" sz="2200" b="0" i="0" dirty="0">
+                <a:solidFill>
+                  <a:srgbClr val="333333"/>
+                </a:solidFill>
+                <a:effectLst/>
+                <a:latin typeface="Times New Roman" panose="02020603050405020304" pitchFamily="18" charset="0"/>
+                <a:cs typeface="Times New Roman" panose="02020603050405020304" pitchFamily="18" charset="0"/>
+              </a:rPr>
+              <a:t>It also provides a library for building an API gateway on the top of Spring MVC. </a:t>
+            </a:r>
+          </a:p>
+          <a:p>
+            <a:pPr algn="just"/>
+            <a:r>
+              <a:rPr lang="en-US" sz="2200" b="0" i="0" dirty="0">
+                <a:solidFill>
+                  <a:srgbClr val="333333"/>
+                </a:solidFill>
+                <a:effectLst/>
+                <a:latin typeface="Times New Roman" panose="02020603050405020304" pitchFamily="18" charset="0"/>
+                <a:cs typeface="Times New Roman" panose="02020603050405020304" pitchFamily="18" charset="0"/>
+              </a:rPr>
+              <a:t>Its aims to provide cross-cutting concerns to them, such as </a:t>
+            </a:r>
+            <a:r>
+              <a:rPr lang="en-US" sz="2200" b="1" i="0" dirty="0">
+                <a:solidFill>
+                  <a:srgbClr val="333333"/>
+                </a:solidFill>
+                <a:effectLst/>
+                <a:latin typeface="Times New Roman" panose="02020603050405020304" pitchFamily="18" charset="0"/>
+                <a:cs typeface="Times New Roman" panose="02020603050405020304" pitchFamily="18" charset="0"/>
+              </a:rPr>
+              <a:t>security</a:t>
+            </a:r>
+            <a:r>
+              <a:rPr lang="en-US" sz="2200" b="0" i="0" dirty="0">
+                <a:solidFill>
+                  <a:srgbClr val="333333"/>
+                </a:solidFill>
+                <a:effectLst/>
+                <a:latin typeface="Times New Roman" panose="02020603050405020304" pitchFamily="18" charset="0"/>
+                <a:cs typeface="Times New Roman" panose="02020603050405020304" pitchFamily="18" charset="0"/>
+              </a:rPr>
+              <a:t> and </a:t>
+            </a:r>
+            <a:r>
+              <a:rPr lang="en-US" sz="2200" b="1" i="0" dirty="0">
+                <a:solidFill>
+                  <a:srgbClr val="333333"/>
+                </a:solidFill>
+                <a:effectLst/>
+                <a:latin typeface="Times New Roman" panose="02020603050405020304" pitchFamily="18" charset="0"/>
+                <a:cs typeface="Times New Roman" panose="02020603050405020304" pitchFamily="18" charset="0"/>
+              </a:rPr>
+              <a:t>monitoring</a:t>
+            </a:r>
+            <a:r>
+              <a:rPr lang="en-US" sz="2200" b="0" i="0" dirty="0">
+                <a:solidFill>
+                  <a:srgbClr val="333333"/>
+                </a:solidFill>
+                <a:effectLst/>
+                <a:latin typeface="Times New Roman" panose="02020603050405020304" pitchFamily="18" charset="0"/>
+                <a:cs typeface="Times New Roman" panose="02020603050405020304" pitchFamily="18" charset="0"/>
+              </a:rPr>
+              <a:t>.</a:t>
+            </a:r>
+          </a:p>
+          <a:p>
+            <a:endParaRPr lang="en-IN" sz="2200" dirty="0">
+              <a:latin typeface="Times New Roman" panose="02020603050405020304" pitchFamily="18" charset="0"/>
+              <a:cs typeface="Times New Roman" panose="02020603050405020304" pitchFamily="18" charset="0"/>
+            </a:endParaRPr>
           </a:p>
         </p:txBody>
       </p:sp>
     </p:spTree>
     <p:extLst>
       <p:ext uri="{BB962C8B-B14F-4D97-AF65-F5344CB8AC3E}">
-        <p14:creationId xmlns:p14="http://schemas.microsoft.com/office/powerpoint/2010/main" val="56129990"/>
+        <p14:creationId xmlns:p14="http://schemas.microsoft.com/office/powerpoint/2010/main" val="2965086060"/>
+      </p:ext>
+    </p:extLst>
+  </p:cSld>
+  <p:clrMapOvr>
+    <a:masterClrMapping/>
+  </p:clrMapOvr>
+</p:sld>
+</file>
+
+<file path=ppt/slides/slide8.xml><?xml version="1.0" encoding="utf-8"?>
+<p:sld xmlns:a="http://schemas.openxmlformats.org/drawingml/2006/main" xmlns:r="http://schemas.openxmlformats.org/officeDocument/2006/relationships" xmlns:p="http://schemas.openxmlformats.org/presentationml/2006/main">
+  <p:cSld>
+    <p:spTree>
+      <p:nvGrpSpPr>
+        <p:cNvPr id="1" name=""/>
+        <p:cNvGrpSpPr/>
+        <p:nvPr/>
+      </p:nvGrpSpPr>
+      <p:grpSpPr>
+        <a:xfrm>
+          <a:off x="0" y="0"/>
+          <a:ext cx="0" cy="0"/>
+          <a:chOff x="0" y="0"/>
+          <a:chExt cx="0" cy="0"/>
+        </a:xfrm>
+      </p:grpSpPr>
+      <p:sp>
+        <p:nvSpPr>
+          <p:cNvPr id="2" name="Title 1">
+            <a:extLst>
+              <a:ext uri="{FF2B5EF4-FFF2-40B4-BE49-F238E27FC236}">
+                <a16:creationId xmlns:a16="http://schemas.microsoft.com/office/drawing/2014/main" id="{5C86C970-30CF-4237-8883-27979798631A}"/>
+              </a:ext>
+            </a:extLst>
+          </p:cNvPr>
+          <p:cNvSpPr>
+            <a:spLocks noGrp="1"/>
+          </p:cNvSpPr>
+          <p:nvPr>
+            <p:ph type="title"/>
+          </p:nvPr>
+        </p:nvSpPr>
+        <p:spPr/>
+        <p:txBody>
+          <a:bodyPr>
+            <a:noAutofit/>
+          </a:bodyPr>
+          <a:lstStyle/>
+          <a:p>
+            <a:r>
+              <a:rPr lang="en-US" sz="4000" cap="none" dirty="0">
+                <a:ln w="0"/>
+                <a:gradFill>
+                  <a:gsLst>
+                    <a:gs pos="0">
+                      <a:schemeClr val="accent5">
+                        <a:lumMod val="50000"/>
+                      </a:schemeClr>
+                    </a:gs>
+                    <a:gs pos="50000">
+                      <a:schemeClr val="accent5"/>
+                    </a:gs>
+                    <a:gs pos="100000">
+                      <a:schemeClr val="accent5">
+                        <a:lumMod val="60000"/>
+                        <a:lumOff val="40000"/>
+                      </a:schemeClr>
+                    </a:gs>
+                  </a:gsLst>
+                  <a:lin ang="5400000"/>
+                </a:gradFill>
+                <a:effectLst>
+                  <a:reflection blurRad="6350" stA="53000" endA="300" endPos="35500" dir="5400000" sy="-90000" algn="bl" rotWithShape="0"/>
+                </a:effectLst>
+                <a:latin typeface="Times New Roman" panose="02020603050405020304" pitchFamily="18" charset="0"/>
+                <a:cs typeface="Times New Roman" panose="02020603050405020304" pitchFamily="18" charset="0"/>
+              </a:rPr>
+              <a:t>Feign Client</a:t>
+            </a:r>
+            <a:br>
+              <a:rPr lang="en-US" sz="4000" cap="none" dirty="0">
+                <a:ln w="0"/>
+                <a:gradFill>
+                  <a:gsLst>
+                    <a:gs pos="0">
+                      <a:schemeClr val="accent5">
+                        <a:lumMod val="50000"/>
+                      </a:schemeClr>
+                    </a:gs>
+                    <a:gs pos="50000">
+                      <a:schemeClr val="accent5"/>
+                    </a:gs>
+                    <a:gs pos="100000">
+                      <a:schemeClr val="accent5">
+                        <a:lumMod val="60000"/>
+                        <a:lumOff val="40000"/>
+                      </a:schemeClr>
+                    </a:gs>
+                  </a:gsLst>
+                  <a:lin ang="5400000"/>
+                </a:gradFill>
+                <a:effectLst>
+                  <a:reflection blurRad="6350" stA="53000" endA="300" endPos="35500" dir="5400000" sy="-90000" algn="bl" rotWithShape="0"/>
+                </a:effectLst>
+                <a:latin typeface="Times New Roman" panose="02020603050405020304" pitchFamily="18" charset="0"/>
+                <a:cs typeface="Times New Roman" panose="02020603050405020304" pitchFamily="18" charset="0"/>
+              </a:rPr>
+            </a:br>
+            <a:endParaRPr lang="en-IN" sz="4000" cap="none" dirty="0">
+              <a:ln w="0"/>
+              <a:gradFill>
+                <a:gsLst>
+                  <a:gs pos="0">
+                    <a:schemeClr val="accent5">
+                      <a:lumMod val="50000"/>
+                    </a:schemeClr>
+                  </a:gs>
+                  <a:gs pos="50000">
+                    <a:schemeClr val="accent5"/>
+                  </a:gs>
+                  <a:gs pos="100000">
+                    <a:schemeClr val="accent5">
+                      <a:lumMod val="60000"/>
+                      <a:lumOff val="40000"/>
+                    </a:schemeClr>
+                  </a:gs>
+                </a:gsLst>
+                <a:lin ang="5400000"/>
+              </a:gradFill>
+              <a:effectLst>
+                <a:reflection blurRad="6350" stA="53000" endA="300" endPos="35500" dir="5400000" sy="-90000" algn="bl" rotWithShape="0"/>
+              </a:effectLst>
+              <a:latin typeface="Times New Roman" panose="02020603050405020304" pitchFamily="18" charset="0"/>
+              <a:cs typeface="Times New Roman" panose="02020603050405020304" pitchFamily="18" charset="0"/>
+            </a:endParaRPr>
+          </a:p>
+        </p:txBody>
+      </p:sp>
+      <p:sp>
+        <p:nvSpPr>
+          <p:cNvPr id="3" name="Content Placeholder 2">
+            <a:extLst>
+              <a:ext uri="{FF2B5EF4-FFF2-40B4-BE49-F238E27FC236}">
+                <a16:creationId xmlns:a16="http://schemas.microsoft.com/office/drawing/2014/main" id="{C02286E8-005C-4FF5-AFFB-D1FF24C00513}"/>
+              </a:ext>
+            </a:extLst>
+          </p:cNvPr>
+          <p:cNvSpPr>
+            <a:spLocks noGrp="1"/>
+          </p:cNvSpPr>
+          <p:nvPr>
+            <p:ph idx="1"/>
+          </p:nvPr>
+        </p:nvSpPr>
+        <p:spPr/>
+        <p:txBody>
+          <a:bodyPr>
+            <a:noAutofit/>
+          </a:bodyPr>
+          <a:lstStyle/>
+          <a:p>
+            <a:pPr algn="just"/>
+            <a:r>
+              <a:rPr lang="en-US" sz="2400" b="0" i="0" dirty="0">
+                <a:solidFill>
+                  <a:srgbClr val="333333"/>
+                </a:solidFill>
+                <a:effectLst/>
+                <a:latin typeface="Times New Roman" panose="02020603050405020304" pitchFamily="18" charset="0"/>
+                <a:cs typeface="Times New Roman" panose="02020603050405020304" pitchFamily="18" charset="0"/>
+              </a:rPr>
+              <a:t>The Feign is a declarative web service (HTTP client) developed by </a:t>
+            </a:r>
+            <a:r>
+              <a:rPr lang="en-US" sz="2400" b="1" i="0" dirty="0">
+                <a:solidFill>
+                  <a:srgbClr val="333333"/>
+                </a:solidFill>
+                <a:effectLst/>
+                <a:latin typeface="Times New Roman" panose="02020603050405020304" pitchFamily="18" charset="0"/>
+                <a:cs typeface="Times New Roman" panose="02020603050405020304" pitchFamily="18" charset="0"/>
+              </a:rPr>
+              <a:t>Netflix</a:t>
+            </a:r>
+            <a:r>
+              <a:rPr lang="en-US" sz="2400" b="0" i="0" dirty="0">
+                <a:solidFill>
+                  <a:srgbClr val="333333"/>
+                </a:solidFill>
+                <a:effectLst/>
+                <a:latin typeface="Times New Roman" panose="02020603050405020304" pitchFamily="18" charset="0"/>
+                <a:cs typeface="Times New Roman" panose="02020603050405020304" pitchFamily="18" charset="0"/>
+              </a:rPr>
+              <a:t>. Its aim is to simplify the HTTP API clients. It is a Java to HTTP client binder. If you want to use Feign, create an interface, and annotate it. It provides pluggable annotation support, including Feign annotations and JAX-RS annotations.</a:t>
+            </a:r>
+          </a:p>
+          <a:p>
+            <a:pPr algn="just"/>
+            <a:r>
+              <a:rPr lang="en-US" sz="2400" b="0" i="0" dirty="0">
+                <a:solidFill>
+                  <a:srgbClr val="333333"/>
+                </a:solidFill>
+                <a:effectLst/>
+                <a:latin typeface="Times New Roman" panose="02020603050405020304" pitchFamily="18" charset="0"/>
+                <a:cs typeface="Times New Roman" panose="02020603050405020304" pitchFamily="18" charset="0"/>
+              </a:rPr>
+              <a:t>It is a library for creating REST API clients. It makes web service clients easier. The developers can use declarative annotations to call the REST services instead of writing representative boilerplate code.</a:t>
+            </a:r>
+          </a:p>
+          <a:p>
+            <a:endParaRPr lang="en-IN" sz="2400" dirty="0">
+              <a:latin typeface="Times New Roman" panose="02020603050405020304" pitchFamily="18" charset="0"/>
+              <a:cs typeface="Times New Roman" panose="02020603050405020304" pitchFamily="18" charset="0"/>
+            </a:endParaRPr>
+          </a:p>
+        </p:txBody>
+      </p:sp>
+    </p:spTree>
+    <p:extLst>
+      <p:ext uri="{BB962C8B-B14F-4D97-AF65-F5344CB8AC3E}">
+        <p14:creationId xmlns:p14="http://schemas.microsoft.com/office/powerpoint/2010/main" val="926449947"/>
+      </p:ext>
+    </p:extLst>
+  </p:cSld>
+  <p:clrMapOvr>
+    <a:masterClrMapping/>
+  </p:clrMapOvr>
+</p:sld>
+</file>
+
+<file path=ppt/slides/slide9.xml><?xml version="1.0" encoding="utf-8"?>
+<p:sld xmlns:a="http://schemas.openxmlformats.org/drawingml/2006/main" xmlns:r="http://schemas.openxmlformats.org/officeDocument/2006/relationships" xmlns:p="http://schemas.openxmlformats.org/presentationml/2006/main">
+  <p:cSld>
+    <p:spTree>
+      <p:nvGrpSpPr>
+        <p:cNvPr id="1" name=""/>
+        <p:cNvGrpSpPr/>
+        <p:nvPr/>
+      </p:nvGrpSpPr>
+      <p:grpSpPr>
+        <a:xfrm>
+          <a:off x="0" y="0"/>
+          <a:ext cx="0" cy="0"/>
+          <a:chOff x="0" y="0"/>
+          <a:chExt cx="0" cy="0"/>
+        </a:xfrm>
+      </p:grpSpPr>
+      <p:sp>
+        <p:nvSpPr>
+          <p:cNvPr id="2" name="Title 1">
+            <a:extLst>
+              <a:ext uri="{FF2B5EF4-FFF2-40B4-BE49-F238E27FC236}">
+                <a16:creationId xmlns:a16="http://schemas.microsoft.com/office/drawing/2014/main" id="{654E1309-ED31-4375-91BA-6F7AA5486BCD}"/>
+              </a:ext>
+            </a:extLst>
+          </p:cNvPr>
+          <p:cNvSpPr>
+            <a:spLocks noGrp="1"/>
+          </p:cNvSpPr>
+          <p:nvPr>
+            <p:ph type="title"/>
+          </p:nvPr>
+        </p:nvSpPr>
+        <p:spPr/>
+        <p:txBody>
+          <a:bodyPr>
+            <a:noAutofit/>
+          </a:bodyPr>
+          <a:lstStyle/>
+          <a:p>
+            <a:r>
+              <a:rPr lang="en-US" sz="4000" cap="none" dirty="0">
+                <a:ln w="0"/>
+                <a:gradFill>
+                  <a:gsLst>
+                    <a:gs pos="0">
+                      <a:schemeClr val="accent5">
+                        <a:lumMod val="50000"/>
+                      </a:schemeClr>
+                    </a:gs>
+                    <a:gs pos="50000">
+                      <a:schemeClr val="accent5"/>
+                    </a:gs>
+                    <a:gs pos="100000">
+                      <a:schemeClr val="accent5">
+                        <a:lumMod val="60000"/>
+                        <a:lumOff val="40000"/>
+                      </a:schemeClr>
+                    </a:gs>
+                  </a:gsLst>
+                  <a:lin ang="5400000"/>
+                </a:gradFill>
+                <a:effectLst>
+                  <a:reflection blurRad="6350" stA="53000" endA="300" endPos="35500" dir="5400000" sy="-90000" algn="bl" rotWithShape="0"/>
+                </a:effectLst>
+                <a:latin typeface="Times New Roman" panose="02020603050405020304" pitchFamily="18" charset="0"/>
+                <a:cs typeface="Times New Roman" panose="02020603050405020304" pitchFamily="18" charset="0"/>
+              </a:rPr>
+              <a:t>RabbitMQ</a:t>
+            </a:r>
+            <a:br>
+              <a:rPr lang="en-US" sz="4000" cap="none" dirty="0">
+                <a:ln w="0"/>
+                <a:gradFill>
+                  <a:gsLst>
+                    <a:gs pos="0">
+                      <a:schemeClr val="accent5">
+                        <a:lumMod val="50000"/>
+                      </a:schemeClr>
+                    </a:gs>
+                    <a:gs pos="50000">
+                      <a:schemeClr val="accent5"/>
+                    </a:gs>
+                    <a:gs pos="100000">
+                      <a:schemeClr val="accent5">
+                        <a:lumMod val="60000"/>
+                        <a:lumOff val="40000"/>
+                      </a:schemeClr>
+                    </a:gs>
+                  </a:gsLst>
+                  <a:lin ang="5400000"/>
+                </a:gradFill>
+                <a:effectLst>
+                  <a:reflection blurRad="6350" stA="53000" endA="300" endPos="35500" dir="5400000" sy="-90000" algn="bl" rotWithShape="0"/>
+                </a:effectLst>
+                <a:latin typeface="Times New Roman" panose="02020603050405020304" pitchFamily="18" charset="0"/>
+                <a:cs typeface="Times New Roman" panose="02020603050405020304" pitchFamily="18" charset="0"/>
+              </a:rPr>
+            </a:br>
+            <a:endParaRPr lang="en-IN" sz="4000" cap="none" dirty="0">
+              <a:ln w="0"/>
+              <a:gradFill>
+                <a:gsLst>
+                  <a:gs pos="0">
+                    <a:schemeClr val="accent5">
+                      <a:lumMod val="50000"/>
+                    </a:schemeClr>
+                  </a:gs>
+                  <a:gs pos="50000">
+                    <a:schemeClr val="accent5"/>
+                  </a:gs>
+                  <a:gs pos="100000">
+                    <a:schemeClr val="accent5">
+                      <a:lumMod val="60000"/>
+                      <a:lumOff val="40000"/>
+                    </a:schemeClr>
+                  </a:gs>
+                </a:gsLst>
+                <a:lin ang="5400000"/>
+              </a:gradFill>
+              <a:effectLst>
+                <a:reflection blurRad="6350" stA="53000" endA="300" endPos="35500" dir="5400000" sy="-90000" algn="bl" rotWithShape="0"/>
+              </a:effectLst>
+              <a:latin typeface="Times New Roman" panose="02020603050405020304" pitchFamily="18" charset="0"/>
+              <a:cs typeface="Times New Roman" panose="02020603050405020304" pitchFamily="18" charset="0"/>
+            </a:endParaRPr>
+          </a:p>
+        </p:txBody>
+      </p:sp>
+      <p:sp>
+        <p:nvSpPr>
+          <p:cNvPr id="3" name="Content Placeholder 2">
+            <a:extLst>
+              <a:ext uri="{FF2B5EF4-FFF2-40B4-BE49-F238E27FC236}">
+                <a16:creationId xmlns:a16="http://schemas.microsoft.com/office/drawing/2014/main" id="{AD7B7525-F7A3-4FBC-9F56-28053F58B82C}"/>
+              </a:ext>
+            </a:extLst>
+          </p:cNvPr>
+          <p:cNvSpPr>
+            <a:spLocks noGrp="1"/>
+          </p:cNvSpPr>
+          <p:nvPr>
+            <p:ph idx="1"/>
+          </p:nvPr>
+        </p:nvSpPr>
+        <p:spPr/>
+        <p:txBody>
+          <a:bodyPr>
+            <a:normAutofit/>
+          </a:bodyPr>
+          <a:lstStyle/>
+          <a:p>
+            <a:r>
+              <a:rPr lang="en-US" sz="2400" b="0" i="0" dirty="0">
+                <a:effectLst/>
+                <a:latin typeface="Times New Roman" panose="02020603050405020304" pitchFamily="18" charset="0"/>
+                <a:cs typeface="Times New Roman" panose="02020603050405020304" pitchFamily="18" charset="0"/>
+              </a:rPr>
+              <a:t>RabbitMQ is an open source message broker software. It accepts messages from producers, and delivers them to consumers. </a:t>
+            </a:r>
+          </a:p>
+          <a:p>
+            <a:r>
+              <a:rPr lang="en-US" sz="2400" b="0" i="0" dirty="0">
+                <a:effectLst/>
+                <a:latin typeface="Times New Roman" panose="02020603050405020304" pitchFamily="18" charset="0"/>
+                <a:cs typeface="Times New Roman" panose="02020603050405020304" pitchFamily="18" charset="0"/>
+              </a:rPr>
+              <a:t>It acts like a middleman which can be used to reduce loads and delivery times taken by web application servers.</a:t>
+            </a:r>
+            <a:endParaRPr lang="en-IN" sz="2400" dirty="0">
+              <a:latin typeface="Times New Roman" panose="02020603050405020304" pitchFamily="18" charset="0"/>
+              <a:cs typeface="Times New Roman" panose="02020603050405020304" pitchFamily="18" charset="0"/>
+            </a:endParaRPr>
+          </a:p>
+        </p:txBody>
+      </p:sp>
+    </p:spTree>
+    <p:extLst>
+      <p:ext uri="{BB962C8B-B14F-4D97-AF65-F5344CB8AC3E}">
+        <p14:creationId xmlns:p14="http://schemas.microsoft.com/office/powerpoint/2010/main" val="3469918609"/>
       </p:ext>
     </p:extLst>
   </p:cSld>

--- a/Muzix App Presentation.pptx
+++ b/Muzix App Presentation.pptx
@@ -6299,7 +6299,7 @@
         <p:spPr>
           <a:xfrm>
             <a:off x="1046864" y="2113386"/>
-            <a:ext cx="10098271" cy="4376190"/>
+            <a:ext cx="10098271" cy="3940095"/>
           </a:xfrm>
         </p:spPr>
         <p:txBody>
@@ -6601,7 +6601,12 @@
             <p:ph idx="1"/>
           </p:nvPr>
         </p:nvSpPr>
-        <p:spPr/>
+        <p:spPr>
+          <a:xfrm>
+            <a:off x="1451579" y="2015732"/>
+            <a:ext cx="9603275" cy="3710365"/>
+          </a:xfrm>
+        </p:spPr>
         <p:txBody>
           <a:bodyPr>
             <a:noAutofit/>

--- a/Muzix App Presentation.pptx
+++ b/Muzix App Presentation.pptx
@@ -266,7 +266,7 @@
           <a:p>
             <a:fld id="{37CECC12-F97C-41A1-93F7-F2A6E352947F}" type="datetimeFigureOut">
               <a:rPr lang="en-IN" smtClean="0"/>
-              <a:t>16-05-2022</a:t>
+              <a:t>17-05-2022</a:t>
             </a:fld>
             <a:endParaRPr lang="en-IN"/>
           </a:p>
@@ -477,7 +477,7 @@
           <a:p>
             <a:fld id="{37CECC12-F97C-41A1-93F7-F2A6E352947F}" type="datetimeFigureOut">
               <a:rPr lang="en-IN" smtClean="0"/>
-              <a:t>16-05-2022</a:t>
+              <a:t>17-05-2022</a:t>
             </a:fld>
             <a:endParaRPr lang="en-IN"/>
           </a:p>
@@ -692,7 +692,7 @@
           <a:p>
             <a:fld id="{37CECC12-F97C-41A1-93F7-F2A6E352947F}" type="datetimeFigureOut">
               <a:rPr lang="en-IN" smtClean="0"/>
-              <a:t>16-05-2022</a:t>
+              <a:t>17-05-2022</a:t>
             </a:fld>
             <a:endParaRPr lang="en-IN"/>
           </a:p>
@@ -893,7 +893,7 @@
           <a:p>
             <a:fld id="{37CECC12-F97C-41A1-93F7-F2A6E352947F}" type="datetimeFigureOut">
               <a:rPr lang="en-IN" smtClean="0"/>
-              <a:t>16-05-2022</a:t>
+              <a:t>17-05-2022</a:t>
             </a:fld>
             <a:endParaRPr lang="en-IN"/>
           </a:p>
@@ -1172,7 +1172,7 @@
           <a:p>
             <a:fld id="{37CECC12-F97C-41A1-93F7-F2A6E352947F}" type="datetimeFigureOut">
               <a:rPr lang="en-IN" smtClean="0"/>
-              <a:t>16-05-2022</a:t>
+              <a:t>17-05-2022</a:t>
             </a:fld>
             <a:endParaRPr lang="en-IN"/>
           </a:p>
@@ -1440,7 +1440,7 @@
           <a:p>
             <a:fld id="{37CECC12-F97C-41A1-93F7-F2A6E352947F}" type="datetimeFigureOut">
               <a:rPr lang="en-IN" smtClean="0"/>
-              <a:t>16-05-2022</a:t>
+              <a:t>17-05-2022</a:t>
             </a:fld>
             <a:endParaRPr lang="en-IN"/>
           </a:p>
@@ -1856,7 +1856,7 @@
           <a:p>
             <a:fld id="{37CECC12-F97C-41A1-93F7-F2A6E352947F}" type="datetimeFigureOut">
               <a:rPr lang="en-IN" smtClean="0"/>
-              <a:t>16-05-2022</a:t>
+              <a:t>17-05-2022</a:t>
             </a:fld>
             <a:endParaRPr lang="en-IN"/>
           </a:p>
@@ -2005,7 +2005,7 @@
           <a:p>
             <a:fld id="{37CECC12-F97C-41A1-93F7-F2A6E352947F}" type="datetimeFigureOut">
               <a:rPr lang="en-IN" smtClean="0"/>
-              <a:t>16-05-2022</a:t>
+              <a:t>17-05-2022</a:t>
             </a:fld>
             <a:endParaRPr lang="en-IN"/>
           </a:p>
@@ -2131,7 +2131,7 @@
           <a:p>
             <a:fld id="{37CECC12-F97C-41A1-93F7-F2A6E352947F}" type="datetimeFigureOut">
               <a:rPr lang="en-IN" smtClean="0"/>
-              <a:t>16-05-2022</a:t>
+              <a:t>17-05-2022</a:t>
             </a:fld>
             <a:endParaRPr lang="en-IN"/>
           </a:p>
@@ -2382,7 +2382,7 @@
           <a:p>
             <a:fld id="{37CECC12-F97C-41A1-93F7-F2A6E352947F}" type="datetimeFigureOut">
               <a:rPr lang="en-IN" smtClean="0"/>
-              <a:t>16-05-2022</a:t>
+              <a:t>17-05-2022</a:t>
             </a:fld>
             <a:endParaRPr lang="en-IN"/>
           </a:p>
@@ -2827,7 +2827,7 @@
           <a:p>
             <a:fld id="{37CECC12-F97C-41A1-93F7-F2A6E352947F}" type="datetimeFigureOut">
               <a:rPr lang="en-IN" smtClean="0"/>
-              <a:t>16-05-2022</a:t>
+              <a:t>17-05-2022</a:t>
             </a:fld>
             <a:endParaRPr lang="en-IN"/>
           </a:p>
@@ -3154,7 +3154,7 @@
           <a:p>
             <a:fld id="{37CECC12-F97C-41A1-93F7-F2A6E352947F}" type="datetimeFigureOut">
               <a:rPr lang="en-IN" smtClean="0"/>
-              <a:t>16-05-2022</a:t>
+              <a:t>17-05-2022</a:t>
             </a:fld>
             <a:endParaRPr lang="en-IN"/>
           </a:p>
@@ -4804,9 +4804,9 @@
           <p:nvPr/>
         </p:nvSpPr>
         <p:spPr>
-          <a:xfrm rot="19489692">
-            <a:off x="3675318" y="2828835"/>
-            <a:ext cx="4841364" cy="1200329"/>
+          <a:xfrm>
+            <a:off x="2678078" y="2644170"/>
+            <a:ext cx="6835843" cy="1569660"/>
           </a:xfrm>
           <a:prstGeom prst="rect">
             <a:avLst/>
@@ -4833,12 +4833,32 @@
           <a:p>
             <a:pPr algn="ctr"/>
             <a:r>
-              <a:rPr lang="en-US" sz="7200" b="1" cap="none" spc="0" dirty="0">
-                <a:ln/>
-                <a:solidFill>
-                  <a:schemeClr val="accent3"/>
-                </a:solidFill>
-                <a:effectLst/>
+              <a:rPr lang="en-US" sz="9600" dirty="0">
+                <a:ln w="0"/>
+                <a:gradFill>
+                  <a:gsLst>
+                    <a:gs pos="0">
+                      <a:schemeClr val="accent5">
+                        <a:lumMod val="50000"/>
+                      </a:schemeClr>
+                    </a:gs>
+                    <a:gs pos="50000">
+                      <a:schemeClr val="accent5"/>
+                    </a:gs>
+                    <a:gs pos="100000">
+                      <a:schemeClr val="accent5">
+                        <a:lumMod val="60000"/>
+                        <a:lumOff val="40000"/>
+                      </a:schemeClr>
+                    </a:gs>
+                  </a:gsLst>
+                  <a:lin ang="5400000"/>
+                </a:gradFill>
+                <a:effectLst>
+                  <a:reflection blurRad="6350" stA="53000" endA="300" endPos="35500" dir="5400000" sy="-90000" algn="bl" rotWithShape="0"/>
+                </a:effectLst>
+                <a:latin typeface="Times New Roman" panose="02020603050405020304" pitchFamily="18" charset="0"/>
+                <a:cs typeface="Times New Roman" panose="02020603050405020304" pitchFamily="18" charset="0"/>
               </a:rPr>
               <a:t>Thank You</a:t>
             </a:r>
